--- a/lecture-presentations/2019-01-17.pptx
+++ b/lecture-presentations/2019-01-17.pptx
@@ -5,21 +5,26 @@
     <p:sldMasterId id="2147483648" r:id="rId1"/>
   </p:sldMasterIdLst>
   <p:notesMasterIdLst>
-    <p:notesMasterId r:id="rId14"/>
+    <p:notesMasterId r:id="rId19"/>
   </p:notesMasterIdLst>
   <p:sldIdLst>
     <p:sldId id="305" r:id="rId2"/>
     <p:sldId id="513" r:id="rId3"/>
     <p:sldId id="264" r:id="rId4"/>
-    <p:sldId id="514" r:id="rId5"/>
-    <p:sldId id="419" r:id="rId6"/>
-    <p:sldId id="313" r:id="rId7"/>
-    <p:sldId id="515" r:id="rId8"/>
-    <p:sldId id="287" r:id="rId9"/>
-    <p:sldId id="519" r:id="rId10"/>
-    <p:sldId id="521" r:id="rId11"/>
-    <p:sldId id="502" r:id="rId12"/>
-    <p:sldId id="271" r:id="rId13"/>
+    <p:sldId id="524" r:id="rId5"/>
+    <p:sldId id="289" r:id="rId6"/>
+    <p:sldId id="307" r:id="rId7"/>
+    <p:sldId id="514" r:id="rId8"/>
+    <p:sldId id="523" r:id="rId9"/>
+    <p:sldId id="522" r:id="rId10"/>
+    <p:sldId id="419" r:id="rId11"/>
+    <p:sldId id="313" r:id="rId12"/>
+    <p:sldId id="515" r:id="rId13"/>
+    <p:sldId id="287" r:id="rId14"/>
+    <p:sldId id="519" r:id="rId15"/>
+    <p:sldId id="521" r:id="rId16"/>
+    <p:sldId id="502" r:id="rId17"/>
+    <p:sldId id="271" r:id="rId18"/>
   </p:sldIdLst>
   <p:sldSz cx="12192000" cy="6858000"/>
   <p:notesSz cx="6858000" cy="9144000"/>
@@ -208,7 +213,7 @@
           <a:p>
             <a:fld id="{A677DEB0-5AA4-49C7-B0AD-AD047A002C4C}" type="datetimeFigureOut">
               <a:rPr lang="en-US" smtClean="0"/>
-              <a:t>1/16/2019</a:t>
+              <a:t>1/17/2019</a:t>
             </a:fld>
             <a:endParaRPr lang="en-US"/>
           </a:p>
@@ -603,7 +608,102 @@
           <a:bodyPr/>
           <a:lstStyle/>
           <a:p>
+            <a:endParaRPr lang="en-US" sz="1000" dirty="0"/>
+          </a:p>
+        </p:txBody>
+      </p:sp>
+      <p:sp>
+        <p:nvSpPr>
+          <p:cNvPr id="4" name="Slide Number Placeholder 3"/>
+          <p:cNvSpPr>
+            <a:spLocks noGrp="1"/>
+          </p:cNvSpPr>
+          <p:nvPr>
+            <p:ph type="sldNum" sz="quarter" idx="10"/>
+          </p:nvPr>
+        </p:nvSpPr>
+        <p:spPr/>
+        <p:txBody>
+          <a:bodyPr/>
+          <a:lstStyle/>
+          <a:p>
+            <a:fld id="{5394DE12-7B9B-46AA-AC19-C30A49928B9B}" type="slidenum">
+              <a:rPr lang="en-US" smtClean="0"/>
+              <a:t>11</a:t>
+            </a:fld>
             <a:endParaRPr lang="en-US" dirty="0"/>
+          </a:p>
+        </p:txBody>
+      </p:sp>
+    </p:spTree>
+    <p:extLst>
+      <p:ext uri="{BB962C8B-B14F-4D97-AF65-F5344CB8AC3E}">
+        <p14:creationId xmlns:p14="http://schemas.microsoft.com/office/powerpoint/2010/main" val="14327604"/>
+      </p:ext>
+    </p:extLst>
+  </p:cSld>
+  <p:clrMapOvr>
+    <a:masterClrMapping/>
+  </p:clrMapOvr>
+</p:notes>
+</file>
+
+<file path=ppt/notesSlides/notesSlide11.xml><?xml version="1.0" encoding="utf-8"?>
+<p:notes xmlns:a="http://schemas.openxmlformats.org/drawingml/2006/main" xmlns:r="http://schemas.openxmlformats.org/officeDocument/2006/relationships" xmlns:p="http://schemas.openxmlformats.org/presentationml/2006/main">
+  <p:cSld>
+    <p:spTree>
+      <p:nvGrpSpPr>
+        <p:cNvPr id="1" name=""/>
+        <p:cNvGrpSpPr/>
+        <p:nvPr/>
+      </p:nvGrpSpPr>
+      <p:grpSpPr>
+        <a:xfrm>
+          <a:off x="0" y="0"/>
+          <a:ext cx="0" cy="0"/>
+          <a:chOff x="0" y="0"/>
+          <a:chExt cx="0" cy="0"/>
+        </a:xfrm>
+      </p:grpSpPr>
+      <p:sp>
+        <p:nvSpPr>
+          <p:cNvPr id="2" name="Slide Image Placeholder 1"/>
+          <p:cNvSpPr>
+            <a:spLocks noGrp="1" noRot="1" noChangeAspect="1"/>
+          </p:cNvSpPr>
+          <p:nvPr>
+            <p:ph type="sldImg"/>
+          </p:nvPr>
+        </p:nvSpPr>
+        <p:spPr/>
+      </p:sp>
+      <p:sp>
+        <p:nvSpPr>
+          <p:cNvPr id="3" name="Notes Placeholder 2"/>
+          <p:cNvSpPr>
+            <a:spLocks noGrp="1"/>
+          </p:cNvSpPr>
+          <p:nvPr>
+            <p:ph type="body" idx="1"/>
+          </p:nvPr>
+        </p:nvSpPr>
+        <p:spPr/>
+        <p:txBody>
+          <a:bodyPr/>
+          <a:lstStyle/>
+          <a:p>
+            <a:r>
+              <a:rPr lang="en-US" sz="1000" dirty="0"/>
+              <a:t>Adding </a:t>
+            </a:r>
+            <a:r>
+              <a:rPr lang="en-US" sz="1000" dirty="0" err="1"/>
+              <a:t>javac</a:t>
+            </a:r>
+            <a:r>
+              <a:rPr lang="en-US" sz="1000" dirty="0"/>
+              <a:t> to path – https://www.java.com/en/download/help/path.xml</a:t>
+            </a:r>
           </a:p>
         </p:txBody>
       </p:sp>
@@ -625,6 +725,441 @@
             <a:fld id="{5394DE12-7B9B-46AA-AC19-C30A49928B9B}" type="slidenum">
               <a:rPr lang="en-US" smtClean="0"/>
               <a:t>12</a:t>
+            </a:fld>
+            <a:endParaRPr lang="en-US"/>
+          </a:p>
+        </p:txBody>
+      </p:sp>
+    </p:spTree>
+    <p:extLst>
+      <p:ext uri="{BB962C8B-B14F-4D97-AF65-F5344CB8AC3E}">
+        <p14:creationId xmlns:p14="http://schemas.microsoft.com/office/powerpoint/2010/main" val="1901665943"/>
+      </p:ext>
+    </p:extLst>
+  </p:cSld>
+  <p:clrMapOvr>
+    <a:masterClrMapping/>
+  </p:clrMapOvr>
+</p:notes>
+</file>
+
+<file path=ppt/notesSlides/notesSlide12.xml><?xml version="1.0" encoding="utf-8"?>
+<p:notes xmlns:a="http://schemas.openxmlformats.org/drawingml/2006/main" xmlns:r="http://schemas.openxmlformats.org/officeDocument/2006/relationships" xmlns:p="http://schemas.openxmlformats.org/presentationml/2006/main">
+  <p:cSld>
+    <p:spTree>
+      <p:nvGrpSpPr>
+        <p:cNvPr id="1" name=""/>
+        <p:cNvGrpSpPr/>
+        <p:nvPr/>
+      </p:nvGrpSpPr>
+      <p:grpSpPr>
+        <a:xfrm>
+          <a:off x="0" y="0"/>
+          <a:ext cx="0" cy="0"/>
+          <a:chOff x="0" y="0"/>
+          <a:chExt cx="0" cy="0"/>
+        </a:xfrm>
+      </p:grpSpPr>
+      <p:sp>
+        <p:nvSpPr>
+          <p:cNvPr id="2" name="Slide Image Placeholder 1"/>
+          <p:cNvSpPr>
+            <a:spLocks noGrp="1" noRot="1" noChangeAspect="1"/>
+          </p:cNvSpPr>
+          <p:nvPr>
+            <p:ph type="sldImg"/>
+          </p:nvPr>
+        </p:nvSpPr>
+        <p:spPr/>
+      </p:sp>
+      <p:sp>
+        <p:nvSpPr>
+          <p:cNvPr id="3" name="Notes Placeholder 2"/>
+          <p:cNvSpPr>
+            <a:spLocks noGrp="1"/>
+          </p:cNvSpPr>
+          <p:nvPr>
+            <p:ph type="body" idx="1"/>
+          </p:nvPr>
+        </p:nvSpPr>
+        <p:spPr/>
+        <p:txBody>
+          <a:bodyPr/>
+          <a:lstStyle/>
+          <a:p>
+            <a:r>
+              <a:rPr lang="en-US" sz="1000" dirty="0"/>
+              <a:t>Composition: An example of composition: the relationship between Face and Nose, Mouth, and Eye</a:t>
+            </a:r>
+          </a:p>
+          <a:p>
+            <a:r>
+              <a:rPr lang="en-US" sz="1000" dirty="0"/>
+              <a:t>class Face {</a:t>
+            </a:r>
+          </a:p>
+          <a:p>
+            <a:r>
+              <a:rPr lang="en-US" sz="1000" dirty="0"/>
+              <a:t>	Nose n;</a:t>
+            </a:r>
+          </a:p>
+          <a:p>
+            <a:r>
+              <a:rPr lang="en-US" sz="1000" dirty="0"/>
+              <a:t>	Mouth m;</a:t>
+            </a:r>
+          </a:p>
+          <a:p>
+            <a:r>
+              <a:rPr lang="en-US" sz="1000" dirty="0"/>
+              <a:t>	Eye le;</a:t>
+            </a:r>
+          </a:p>
+          <a:p>
+            <a:r>
+              <a:rPr lang="en-US" sz="1000" dirty="0"/>
+              <a:t>	Eye re;</a:t>
+            </a:r>
+          </a:p>
+          <a:p>
+            <a:r>
+              <a:rPr lang="en-US" sz="1000" dirty="0"/>
+              <a:t>}</a:t>
+            </a:r>
+          </a:p>
+          <a:p>
+            <a:r>
+              <a:rPr lang="en-US" sz="1000" dirty="0"/>
+              <a:t> </a:t>
+            </a:r>
+          </a:p>
+          <a:p>
+            <a:r>
+              <a:rPr lang="en-US" sz="1000" dirty="0"/>
+              <a:t>We probably wouldn’t let the Nose, Mouth, or Eye objects live beyond the Face. They are owned exclusively by the Face. That’s what composition is: exclusive ownership.</a:t>
+            </a:r>
+          </a:p>
+          <a:p>
+            <a:r>
+              <a:rPr lang="en-US" sz="1000" dirty="0"/>
+              <a:t> </a:t>
+            </a:r>
+          </a:p>
+          <a:p>
+            <a:r>
+              <a:rPr lang="en-US" sz="1000" dirty="0"/>
+              <a:t>One clear sign that we are dealing with composition is if the owner (Face, for example) is responsible for actually creating the objects it owns. Then, clearly, the things that are owned – the Nose, Mouth, etc. – could not have existed on their own and are therefore exclusively owned by the owner object.</a:t>
+            </a:r>
+          </a:p>
+          <a:p>
+            <a:endParaRPr lang="en-US" sz="1000" b="1" dirty="0"/>
+          </a:p>
+          <a:p>
+            <a:r>
+              <a:rPr lang="en-US" sz="1000" dirty="0"/>
+              <a:t>Aggregation: Aggregation is also a form of ownership, but it’s non-exclusive ownership. The owned objects can live on and perhaps existed prior to the owned object. </a:t>
+            </a:r>
+          </a:p>
+          <a:p>
+            <a:r>
+              <a:rPr lang="en-US" sz="1000" dirty="0"/>
+              <a:t> </a:t>
+            </a:r>
+          </a:p>
+          <a:p>
+            <a:r>
+              <a:rPr lang="en-US" sz="1000" dirty="0"/>
+              <a:t>An example of aggregation: A library patron borrows a book. That’s not exclusive ownership, since several people can borrow a book over its lifetime.</a:t>
+            </a:r>
+          </a:p>
+          <a:p>
+            <a:r>
+              <a:rPr lang="en-US" sz="1000" dirty="0"/>
+              <a:t> </a:t>
+            </a:r>
+          </a:p>
+          <a:p>
+            <a:r>
+              <a:rPr lang="en-US" sz="1000" dirty="0"/>
+              <a:t>The easy way to tell if something is composition or aggregation is to ask if the owner is responsible for creating and destroying the thing that is owned. If so, it’s a composition relationship.</a:t>
+            </a:r>
+          </a:p>
+          <a:p>
+            <a:endParaRPr lang="en-US" sz="1000" dirty="0"/>
+          </a:p>
+        </p:txBody>
+      </p:sp>
+      <p:sp>
+        <p:nvSpPr>
+          <p:cNvPr id="4" name="Slide Number Placeholder 3"/>
+          <p:cNvSpPr>
+            <a:spLocks noGrp="1"/>
+          </p:cNvSpPr>
+          <p:nvPr>
+            <p:ph type="sldNum" sz="quarter" idx="10"/>
+          </p:nvPr>
+        </p:nvSpPr>
+        <p:spPr/>
+        <p:txBody>
+          <a:bodyPr/>
+          <a:lstStyle/>
+          <a:p>
+            <a:fld id="{5394DE12-7B9B-46AA-AC19-C30A49928B9B}" type="slidenum">
+              <a:rPr lang="en-US" smtClean="0"/>
+              <a:t>13</a:t>
+            </a:fld>
+            <a:endParaRPr lang="en-US"/>
+          </a:p>
+        </p:txBody>
+      </p:sp>
+    </p:spTree>
+    <p:extLst>
+      <p:ext uri="{BB962C8B-B14F-4D97-AF65-F5344CB8AC3E}">
+        <p14:creationId xmlns:p14="http://schemas.microsoft.com/office/powerpoint/2010/main" val="3265044190"/>
+      </p:ext>
+    </p:extLst>
+  </p:cSld>
+  <p:clrMapOvr>
+    <a:masterClrMapping/>
+  </p:clrMapOvr>
+</p:notes>
+</file>
+
+<file path=ppt/notesSlides/notesSlide13.xml><?xml version="1.0" encoding="utf-8"?>
+<p:notes xmlns:a="http://schemas.openxmlformats.org/drawingml/2006/main" xmlns:r="http://schemas.openxmlformats.org/officeDocument/2006/relationships" xmlns:p="http://schemas.openxmlformats.org/presentationml/2006/main">
+  <p:cSld>
+    <p:spTree>
+      <p:nvGrpSpPr>
+        <p:cNvPr id="1" name=""/>
+        <p:cNvGrpSpPr/>
+        <p:nvPr/>
+      </p:nvGrpSpPr>
+      <p:grpSpPr>
+        <a:xfrm>
+          <a:off x="0" y="0"/>
+          <a:ext cx="0" cy="0"/>
+          <a:chOff x="0" y="0"/>
+          <a:chExt cx="0" cy="0"/>
+        </a:xfrm>
+      </p:grpSpPr>
+      <p:sp>
+        <p:nvSpPr>
+          <p:cNvPr id="2" name="Slide Image Placeholder 1"/>
+          <p:cNvSpPr>
+            <a:spLocks noGrp="1" noRot="1" noChangeAspect="1"/>
+          </p:cNvSpPr>
+          <p:nvPr>
+            <p:ph type="sldImg"/>
+          </p:nvPr>
+        </p:nvSpPr>
+        <p:spPr/>
+      </p:sp>
+      <p:sp>
+        <p:nvSpPr>
+          <p:cNvPr id="3" name="Notes Placeholder 2"/>
+          <p:cNvSpPr>
+            <a:spLocks noGrp="1"/>
+          </p:cNvSpPr>
+          <p:nvPr>
+            <p:ph type="body" idx="1"/>
+          </p:nvPr>
+        </p:nvSpPr>
+        <p:spPr/>
+        <p:txBody>
+          <a:bodyPr/>
+          <a:lstStyle/>
+          <a:p>
+            <a:endParaRPr lang="en-US" sz="1000" dirty="0"/>
+          </a:p>
+        </p:txBody>
+      </p:sp>
+      <p:sp>
+        <p:nvSpPr>
+          <p:cNvPr id="4" name="Slide Number Placeholder 3"/>
+          <p:cNvSpPr>
+            <a:spLocks noGrp="1"/>
+          </p:cNvSpPr>
+          <p:nvPr>
+            <p:ph type="sldNum" sz="quarter" idx="10"/>
+          </p:nvPr>
+        </p:nvSpPr>
+        <p:spPr/>
+        <p:txBody>
+          <a:bodyPr/>
+          <a:lstStyle/>
+          <a:p>
+            <a:fld id="{5394DE12-7B9B-46AA-AC19-C30A49928B9B}" type="slidenum">
+              <a:rPr lang="en-US" smtClean="0"/>
+              <a:t>14</a:t>
+            </a:fld>
+            <a:endParaRPr lang="en-US" dirty="0"/>
+          </a:p>
+        </p:txBody>
+      </p:sp>
+    </p:spTree>
+    <p:extLst>
+      <p:ext uri="{BB962C8B-B14F-4D97-AF65-F5344CB8AC3E}">
+        <p14:creationId xmlns:p14="http://schemas.microsoft.com/office/powerpoint/2010/main" val="2439651701"/>
+      </p:ext>
+    </p:extLst>
+  </p:cSld>
+  <p:clrMapOvr>
+    <a:masterClrMapping/>
+  </p:clrMapOvr>
+</p:notes>
+</file>
+
+<file path=ppt/notesSlides/notesSlide14.xml><?xml version="1.0" encoding="utf-8"?>
+<p:notes xmlns:a="http://schemas.openxmlformats.org/drawingml/2006/main" xmlns:r="http://schemas.openxmlformats.org/officeDocument/2006/relationships" xmlns:p="http://schemas.openxmlformats.org/presentationml/2006/main">
+  <p:cSld>
+    <p:spTree>
+      <p:nvGrpSpPr>
+        <p:cNvPr id="1" name=""/>
+        <p:cNvGrpSpPr/>
+        <p:nvPr/>
+      </p:nvGrpSpPr>
+      <p:grpSpPr>
+        <a:xfrm>
+          <a:off x="0" y="0"/>
+          <a:ext cx="0" cy="0"/>
+          <a:chOff x="0" y="0"/>
+          <a:chExt cx="0" cy="0"/>
+        </a:xfrm>
+      </p:grpSpPr>
+      <p:sp>
+        <p:nvSpPr>
+          <p:cNvPr id="2" name="Slide Image Placeholder 1"/>
+          <p:cNvSpPr>
+            <a:spLocks noGrp="1" noRot="1" noChangeAspect="1"/>
+          </p:cNvSpPr>
+          <p:nvPr>
+            <p:ph type="sldImg"/>
+          </p:nvPr>
+        </p:nvSpPr>
+        <p:spPr/>
+      </p:sp>
+      <p:sp>
+        <p:nvSpPr>
+          <p:cNvPr id="3" name="Notes Placeholder 2"/>
+          <p:cNvSpPr>
+            <a:spLocks noGrp="1"/>
+          </p:cNvSpPr>
+          <p:nvPr>
+            <p:ph type="body" idx="1"/>
+          </p:nvPr>
+        </p:nvSpPr>
+        <p:spPr/>
+        <p:txBody>
+          <a:bodyPr/>
+          <a:lstStyle/>
+          <a:p>
+            <a:endParaRPr lang="en-US" dirty="0"/>
+          </a:p>
+        </p:txBody>
+      </p:sp>
+      <p:sp>
+        <p:nvSpPr>
+          <p:cNvPr id="4" name="Slide Number Placeholder 3"/>
+          <p:cNvSpPr>
+            <a:spLocks noGrp="1"/>
+          </p:cNvSpPr>
+          <p:nvPr>
+            <p:ph type="sldNum" sz="quarter" idx="5"/>
+          </p:nvPr>
+        </p:nvSpPr>
+        <p:spPr/>
+        <p:txBody>
+          <a:bodyPr/>
+          <a:lstStyle/>
+          <a:p>
+            <a:fld id="{35A4D32B-0177-4B34-AE20-6C72705619FE}" type="slidenum">
+              <a:rPr lang="en-US" smtClean="0"/>
+              <a:t>15</a:t>
+            </a:fld>
+            <a:endParaRPr lang="en-US"/>
+          </a:p>
+        </p:txBody>
+      </p:sp>
+    </p:spTree>
+    <p:extLst>
+      <p:ext uri="{BB962C8B-B14F-4D97-AF65-F5344CB8AC3E}">
+        <p14:creationId xmlns:p14="http://schemas.microsoft.com/office/powerpoint/2010/main" val="314697702"/>
+      </p:ext>
+    </p:extLst>
+  </p:cSld>
+  <p:clrMapOvr>
+    <a:masterClrMapping/>
+  </p:clrMapOvr>
+</p:notes>
+</file>
+
+<file path=ppt/notesSlides/notesSlide15.xml><?xml version="1.0" encoding="utf-8"?>
+<p:notes xmlns:a="http://schemas.openxmlformats.org/drawingml/2006/main" xmlns:r="http://schemas.openxmlformats.org/officeDocument/2006/relationships" xmlns:p="http://schemas.openxmlformats.org/presentationml/2006/main">
+  <p:cSld>
+    <p:spTree>
+      <p:nvGrpSpPr>
+        <p:cNvPr id="1" name=""/>
+        <p:cNvGrpSpPr/>
+        <p:nvPr/>
+      </p:nvGrpSpPr>
+      <p:grpSpPr>
+        <a:xfrm>
+          <a:off x="0" y="0"/>
+          <a:ext cx="0" cy="0"/>
+          <a:chOff x="0" y="0"/>
+          <a:chExt cx="0" cy="0"/>
+        </a:xfrm>
+      </p:grpSpPr>
+      <p:sp>
+        <p:nvSpPr>
+          <p:cNvPr id="2" name="Slide Image Placeholder 1"/>
+          <p:cNvSpPr>
+            <a:spLocks noGrp="1" noRot="1" noChangeAspect="1"/>
+          </p:cNvSpPr>
+          <p:nvPr>
+            <p:ph type="sldImg"/>
+          </p:nvPr>
+        </p:nvSpPr>
+        <p:spPr/>
+      </p:sp>
+      <p:sp>
+        <p:nvSpPr>
+          <p:cNvPr id="3" name="Notes Placeholder 2"/>
+          <p:cNvSpPr>
+            <a:spLocks noGrp="1"/>
+          </p:cNvSpPr>
+          <p:nvPr>
+            <p:ph type="body" idx="1"/>
+          </p:nvPr>
+        </p:nvSpPr>
+        <p:spPr/>
+        <p:txBody>
+          <a:bodyPr/>
+          <a:lstStyle/>
+          <a:p>
+            <a:endParaRPr lang="en-US" dirty="0"/>
+          </a:p>
+        </p:txBody>
+      </p:sp>
+      <p:sp>
+        <p:nvSpPr>
+          <p:cNvPr id="4" name="Slide Number Placeholder 3"/>
+          <p:cNvSpPr>
+            <a:spLocks noGrp="1"/>
+          </p:cNvSpPr>
+          <p:nvPr>
+            <p:ph type="sldNum" sz="quarter" idx="10"/>
+          </p:nvPr>
+        </p:nvSpPr>
+        <p:spPr/>
+        <p:txBody>
+          <a:bodyPr/>
+          <a:lstStyle/>
+          <a:p>
+            <a:fld id="{5394DE12-7B9B-46AA-AC19-C30A49928B9B}" type="slidenum">
+              <a:rPr lang="en-US" smtClean="0"/>
+              <a:t>17</a:t>
             </a:fld>
             <a:endParaRPr lang="en-US" dirty="0"/>
           </a:p>
@@ -987,7 +1522,7 @@
     </p:spTree>
     <p:extLst>
       <p:ext uri="{BB962C8B-B14F-4D97-AF65-F5344CB8AC3E}">
-        <p14:creationId xmlns:p14="http://schemas.microsoft.com/office/powerpoint/2010/main" val="3847882064"/>
+        <p14:creationId xmlns:p14="http://schemas.microsoft.com/office/powerpoint/2010/main" val="1971274670"/>
       </p:ext>
     </p:extLst>
   </p:cSld>
@@ -1062,7 +1597,7 @@
           <a:p>
             <a:fld id="{5394DE12-7B9B-46AA-AC19-C30A49928B9B}" type="slidenum">
               <a:rPr lang="en-US" smtClean="0"/>
-              <a:t>6</a:t>
+              <a:t>5</a:t>
             </a:fld>
             <a:endParaRPr lang="en-US" dirty="0"/>
           </a:p>
@@ -1071,7 +1606,7 @@
     </p:spTree>
     <p:extLst>
       <p:ext uri="{BB962C8B-B14F-4D97-AF65-F5344CB8AC3E}">
-        <p14:creationId xmlns:p14="http://schemas.microsoft.com/office/powerpoint/2010/main" val="14327604"/>
+        <p14:creationId xmlns:p14="http://schemas.microsoft.com/office/powerpoint/2010/main" val="4262655271"/>
       </p:ext>
     </p:extLst>
   </p:cSld>
@@ -1126,16 +1661,39 @@
           <a:lstStyle/>
           <a:p>
             <a:r>
+              <a:rPr lang="en-US" sz="1000" u="sng" dirty="0"/>
+              <a:t>Helpful Interview Hint</a:t>
+            </a:r>
+            <a:r>
               <a:rPr lang="en-US" sz="1000" dirty="0"/>
-              <a:t>Adding </a:t>
-            </a:r>
-            <a:r>
-              <a:rPr lang="en-US" sz="1000" dirty="0" err="1"/>
-              <a:t>javac</a:t>
-            </a:r>
+              <a:t>: Whenever you are asked a conceptual question about object-programming in an software development interview (and you will be), answer confidently “Encapsulation”, “Inheritance”, and “Polymorphism”.</a:t>
+            </a:r>
+          </a:p>
+          <a:p>
+            <a:endParaRPr lang="en-US" sz="1000" dirty="0"/>
+          </a:p>
+          <a:p>
             <a:r>
               <a:rPr lang="en-US" sz="1000" dirty="0"/>
-              <a:t> to path – https://www.java.com/en/download/help/path.xml</a:t>
+              <a:t>When asked what is Encapsulation (or how would you implement it), say, “I would limit or minimize variable scope and keep data attributes private as often as possible.”</a:t>
+            </a:r>
+          </a:p>
+          <a:p>
+            <a:endParaRPr lang="en-US" sz="1000" dirty="0"/>
+          </a:p>
+          <a:p>
+            <a:r>
+              <a:rPr lang="en-US" sz="1000" dirty="0"/>
+              <a:t>Now as we are going through our object-oriented examples, be thinking about how you would answer the “What is Inheritance?” and “What is Polymorphism?” interview questions. Note that answering them both with very brief examples can be very effective… and it is always best to use animals in you OOP interview examples. </a:t>
+            </a:r>
+          </a:p>
+          <a:p>
+            <a:endParaRPr lang="en-US" sz="1000" dirty="0"/>
+          </a:p>
+          <a:p>
+            <a:r>
+              <a:rPr lang="en-US" sz="1000" dirty="0"/>
+              <a:t>Now we just need to make sure that we are able to effectively utilize these concepts after we get the job. Let’s start by walking through an example. </a:t>
             </a:r>
           </a:p>
         </p:txBody>
@@ -1157,7 +1715,7 @@
           <a:p>
             <a:fld id="{5394DE12-7B9B-46AA-AC19-C30A49928B9B}" type="slidenum">
               <a:rPr lang="en-US" smtClean="0"/>
-              <a:t>7</a:t>
+              <a:t>6</a:t>
             </a:fld>
             <a:endParaRPr lang="en-US"/>
           </a:p>
@@ -1166,7 +1724,7 @@
     </p:spTree>
     <p:extLst>
       <p:ext uri="{BB962C8B-B14F-4D97-AF65-F5344CB8AC3E}">
-        <p14:creationId xmlns:p14="http://schemas.microsoft.com/office/powerpoint/2010/main" val="1901665943"/>
+        <p14:creationId xmlns:p14="http://schemas.microsoft.com/office/powerpoint/2010/main" val="12424954"/>
       </p:ext>
     </p:extLst>
   </p:cSld>
@@ -1220,105 +1778,6 @@
           <a:bodyPr/>
           <a:lstStyle/>
           <a:p>
-            <a:r>
-              <a:rPr lang="en-US" sz="1000" dirty="0"/>
-              <a:t>Composition: An example of composition: the relationship between Face and Nose, Mouth, and Eye</a:t>
-            </a:r>
-          </a:p>
-          <a:p>
-            <a:r>
-              <a:rPr lang="en-US" sz="1000" dirty="0"/>
-              <a:t>class Face {</a:t>
-            </a:r>
-          </a:p>
-          <a:p>
-            <a:r>
-              <a:rPr lang="en-US" sz="1000" dirty="0"/>
-              <a:t>	Nose n;</a:t>
-            </a:r>
-          </a:p>
-          <a:p>
-            <a:r>
-              <a:rPr lang="en-US" sz="1000" dirty="0"/>
-              <a:t>	Mouth m;</a:t>
-            </a:r>
-          </a:p>
-          <a:p>
-            <a:r>
-              <a:rPr lang="en-US" sz="1000" dirty="0"/>
-              <a:t>	Eye le;</a:t>
-            </a:r>
-          </a:p>
-          <a:p>
-            <a:r>
-              <a:rPr lang="en-US" sz="1000" dirty="0"/>
-              <a:t>	Eye re;</a:t>
-            </a:r>
-          </a:p>
-          <a:p>
-            <a:r>
-              <a:rPr lang="en-US" sz="1000" dirty="0"/>
-              <a:t>}</a:t>
-            </a:r>
-          </a:p>
-          <a:p>
-            <a:r>
-              <a:rPr lang="en-US" sz="1000" dirty="0"/>
-              <a:t> </a:t>
-            </a:r>
-          </a:p>
-          <a:p>
-            <a:r>
-              <a:rPr lang="en-US" sz="1000" dirty="0"/>
-              <a:t>We probably wouldn’t let the Nose, Mouth, or Eye objects live beyond the Face. They are owned exclusively by the Face. That’s what composition is: exclusive ownership.</a:t>
-            </a:r>
-          </a:p>
-          <a:p>
-            <a:r>
-              <a:rPr lang="en-US" sz="1000" dirty="0"/>
-              <a:t> </a:t>
-            </a:r>
-          </a:p>
-          <a:p>
-            <a:r>
-              <a:rPr lang="en-US" sz="1000" dirty="0"/>
-              <a:t>One clear sign that we are dealing with composition is if the owner (Face, for example) is responsible for actually creating the objects it owns. Then, clearly, the things that are owned – the Nose, Mouth, etc. – could not have existed on their own and are therefore exclusively owned by the owner object.</a:t>
-            </a:r>
-          </a:p>
-          <a:p>
-            <a:endParaRPr lang="en-US" sz="1000" b="1" dirty="0"/>
-          </a:p>
-          <a:p>
-            <a:r>
-              <a:rPr lang="en-US" sz="1000" dirty="0"/>
-              <a:t>Aggregation: Aggregation is also a form of ownership, but it’s non-exclusive ownership. The owned objects can live on and perhaps existed prior to the owned object. </a:t>
-            </a:r>
-          </a:p>
-          <a:p>
-            <a:r>
-              <a:rPr lang="en-US" sz="1000" dirty="0"/>
-              <a:t> </a:t>
-            </a:r>
-          </a:p>
-          <a:p>
-            <a:r>
-              <a:rPr lang="en-US" sz="1000" dirty="0"/>
-              <a:t>An example of aggregation: A library patron borrows a book. That’s not exclusive ownership, since several people can borrow a book over its lifetime.</a:t>
-            </a:r>
-          </a:p>
-          <a:p>
-            <a:r>
-              <a:rPr lang="en-US" sz="1000" dirty="0"/>
-              <a:t> </a:t>
-            </a:r>
-          </a:p>
-          <a:p>
-            <a:r>
-              <a:rPr lang="en-US" sz="1000" dirty="0"/>
-              <a:t>The easy way to tell if something is composition or aggregation is to ask if the owner is responsible for creating and destroying the thing that is owned. If so, it’s a composition relationship.</a:t>
-            </a:r>
-          </a:p>
-          <a:p>
             <a:endParaRPr lang="en-US" sz="1000" dirty="0"/>
           </a:p>
         </p:txBody>
@@ -1340,16 +1799,16 @@
           <a:p>
             <a:fld id="{5394DE12-7B9B-46AA-AC19-C30A49928B9B}" type="slidenum">
               <a:rPr lang="en-US" smtClean="0"/>
-              <a:t>8</a:t>
+              <a:t>7</a:t>
             </a:fld>
-            <a:endParaRPr lang="en-US"/>
+            <a:endParaRPr lang="en-US" dirty="0"/>
           </a:p>
         </p:txBody>
       </p:sp>
     </p:spTree>
     <p:extLst>
       <p:ext uri="{BB962C8B-B14F-4D97-AF65-F5344CB8AC3E}">
-        <p14:creationId xmlns:p14="http://schemas.microsoft.com/office/powerpoint/2010/main" val="3265044190"/>
+        <p14:creationId xmlns:p14="http://schemas.microsoft.com/office/powerpoint/2010/main" val="3847882064"/>
       </p:ext>
     </p:extLst>
   </p:cSld>
@@ -1424,7 +1883,7 @@
           <a:p>
             <a:fld id="{5394DE12-7B9B-46AA-AC19-C30A49928B9B}" type="slidenum">
               <a:rPr lang="en-US" smtClean="0"/>
-              <a:t>9</a:t>
+              <a:t>8</a:t>
             </a:fld>
             <a:endParaRPr lang="en-US" dirty="0"/>
           </a:p>
@@ -1433,7 +1892,7 @@
     </p:spTree>
     <p:extLst>
       <p:ext uri="{BB962C8B-B14F-4D97-AF65-F5344CB8AC3E}">
-        <p14:creationId xmlns:p14="http://schemas.microsoft.com/office/powerpoint/2010/main" val="2439651701"/>
+        <p14:creationId xmlns:p14="http://schemas.microsoft.com/office/powerpoint/2010/main" val="2819060033"/>
       </p:ext>
     </p:extLst>
   </p:cSld>
@@ -1508,7 +1967,7 @@
           <a:p>
             <a:fld id="{35A4D32B-0177-4B34-AE20-6C72705619FE}" type="slidenum">
               <a:rPr lang="en-US" smtClean="0"/>
-              <a:t>10</a:t>
+              <a:t>9</a:t>
             </a:fld>
             <a:endParaRPr lang="en-US"/>
           </a:p>
@@ -1517,7 +1976,7 @@
     </p:spTree>
     <p:extLst>
       <p:ext uri="{BB962C8B-B14F-4D97-AF65-F5344CB8AC3E}">
-        <p14:creationId xmlns:p14="http://schemas.microsoft.com/office/powerpoint/2010/main" val="314697702"/>
+        <p14:creationId xmlns:p14="http://schemas.microsoft.com/office/powerpoint/2010/main" val="3589095488"/>
       </p:ext>
     </p:extLst>
   </p:cSld>
@@ -1674,7 +2133,7 @@
           <a:p>
             <a:fld id="{1B52E0E1-344B-4E26-B5AD-CE86AB802485}" type="datetimeFigureOut">
               <a:rPr lang="en-US" smtClean="0"/>
-              <a:t>1/16/2019</a:t>
+              <a:t>1/17/2019</a:t>
             </a:fld>
             <a:endParaRPr lang="en-US"/>
           </a:p>
@@ -1872,7 +2331,7 @@
           <a:p>
             <a:fld id="{1B52E0E1-344B-4E26-B5AD-CE86AB802485}" type="datetimeFigureOut">
               <a:rPr lang="en-US" smtClean="0"/>
-              <a:t>1/16/2019</a:t>
+              <a:t>1/17/2019</a:t>
             </a:fld>
             <a:endParaRPr lang="en-US"/>
           </a:p>
@@ -2080,7 +2539,7 @@
           <a:p>
             <a:fld id="{1B52E0E1-344B-4E26-B5AD-CE86AB802485}" type="datetimeFigureOut">
               <a:rPr lang="en-US" smtClean="0"/>
-              <a:t>1/16/2019</a:t>
+              <a:t>1/17/2019</a:t>
             </a:fld>
             <a:endParaRPr lang="en-US"/>
           </a:p>
@@ -2278,7 +2737,7 @@
           <a:p>
             <a:fld id="{1B52E0E1-344B-4E26-B5AD-CE86AB802485}" type="datetimeFigureOut">
               <a:rPr lang="en-US" smtClean="0"/>
-              <a:t>1/16/2019</a:t>
+              <a:t>1/17/2019</a:t>
             </a:fld>
             <a:endParaRPr lang="en-US"/>
           </a:p>
@@ -2553,7 +3012,7 @@
           <a:p>
             <a:fld id="{1B52E0E1-344B-4E26-B5AD-CE86AB802485}" type="datetimeFigureOut">
               <a:rPr lang="en-US" smtClean="0"/>
-              <a:t>1/16/2019</a:t>
+              <a:t>1/17/2019</a:t>
             </a:fld>
             <a:endParaRPr lang="en-US"/>
           </a:p>
@@ -2818,7 +3277,7 @@
           <a:p>
             <a:fld id="{1B52E0E1-344B-4E26-B5AD-CE86AB802485}" type="datetimeFigureOut">
               <a:rPr lang="en-US" smtClean="0"/>
-              <a:t>1/16/2019</a:t>
+              <a:t>1/17/2019</a:t>
             </a:fld>
             <a:endParaRPr lang="en-US"/>
           </a:p>
@@ -3230,7 +3689,7 @@
           <a:p>
             <a:fld id="{1B52E0E1-344B-4E26-B5AD-CE86AB802485}" type="datetimeFigureOut">
               <a:rPr lang="en-US" smtClean="0"/>
-              <a:t>1/16/2019</a:t>
+              <a:t>1/17/2019</a:t>
             </a:fld>
             <a:endParaRPr lang="en-US"/>
           </a:p>
@@ -3371,7 +3830,7 @@
           <a:p>
             <a:fld id="{1B52E0E1-344B-4E26-B5AD-CE86AB802485}" type="datetimeFigureOut">
               <a:rPr lang="en-US" smtClean="0"/>
-              <a:t>1/16/2019</a:t>
+              <a:t>1/17/2019</a:t>
             </a:fld>
             <a:endParaRPr lang="en-US"/>
           </a:p>
@@ -3484,7 +3943,7 @@
           <a:p>
             <a:fld id="{1B52E0E1-344B-4E26-B5AD-CE86AB802485}" type="datetimeFigureOut">
               <a:rPr lang="en-US" smtClean="0"/>
-              <a:t>1/16/2019</a:t>
+              <a:t>1/17/2019</a:t>
             </a:fld>
             <a:endParaRPr lang="en-US"/>
           </a:p>
@@ -3795,7 +4254,7 @@
           <a:p>
             <a:fld id="{1B52E0E1-344B-4E26-B5AD-CE86AB802485}" type="datetimeFigureOut">
               <a:rPr lang="en-US" smtClean="0"/>
-              <a:t>1/16/2019</a:t>
+              <a:t>1/17/2019</a:t>
             </a:fld>
             <a:endParaRPr lang="en-US"/>
           </a:p>
@@ -4083,7 +4542,7 @@
           <a:p>
             <a:fld id="{1B52E0E1-344B-4E26-B5AD-CE86AB802485}" type="datetimeFigureOut">
               <a:rPr lang="en-US" smtClean="0"/>
-              <a:t>1/16/2019</a:t>
+              <a:t>1/17/2019</a:t>
             </a:fld>
             <a:endParaRPr lang="en-US"/>
           </a:p>
@@ -4324,7 +4783,7 @@
           <a:p>
             <a:fld id="{1B52E0E1-344B-4E26-B5AD-CE86AB802485}" type="datetimeFigureOut">
               <a:rPr lang="en-US" smtClean="0"/>
-              <a:t>1/16/2019</a:t>
+              <a:t>1/17/2019</a:t>
             </a:fld>
             <a:endParaRPr lang="en-US"/>
           </a:p>
@@ -4853,7 +5312,7 @@
             </a:pPr>
             <a:r>
               <a:rPr lang="en-US" sz="2200" dirty="0"/>
-              <a:t>Q&amp;A: Object-Oriented Programming Concepts &amp; Practices</a:t>
+              <a:t>Discussion: Object-Oriented Programming Concepts &amp; Practices</a:t>
             </a:r>
           </a:p>
           <a:p>
@@ -5017,597 +5476,6 @@
           <p:cNvPr id="2" name="Title 1">
             <a:extLst>
               <a:ext uri="{FF2B5EF4-FFF2-40B4-BE49-F238E27FC236}">
-                <a16:creationId xmlns:a16="http://schemas.microsoft.com/office/drawing/2014/main" id="{E52A0004-AEC1-4D2F-8A7E-370FDC8B4F59}"/>
-              </a:ext>
-            </a:extLst>
-          </p:cNvPr>
-          <p:cNvSpPr>
-            <a:spLocks noGrp="1"/>
-          </p:cNvSpPr>
-          <p:nvPr>
-            <p:ph type="title"/>
-          </p:nvPr>
-        </p:nvSpPr>
-        <p:spPr>
-          <a:xfrm>
-            <a:off x="5277329" y="640080"/>
-            <a:ext cx="6274590" cy="4018341"/>
-          </a:xfrm>
-          <a:noFill/>
-        </p:spPr>
-        <p:txBody>
-          <a:bodyPr vert="horz" lIns="91440" tIns="45720" rIns="91440" bIns="45720" rtlCol="0" anchor="b">
-            <a:normAutofit/>
-          </a:bodyPr>
-          <a:lstStyle/>
-          <a:p>
-            <a:r>
-              <a:rPr lang="en-US" sz="6000"/>
-              <a:t>BMI Calculator Plus – UML</a:t>
-            </a:r>
-          </a:p>
-        </p:txBody>
-      </p:sp>
-      <p:pic>
-        <p:nvPicPr>
-          <p:cNvPr id="5" name="Picture 4" descr="A close up of text on a whiteboard&#10;&#10;Description automatically generated">
-            <a:extLst>
-              <a:ext uri="{FF2B5EF4-FFF2-40B4-BE49-F238E27FC236}">
-                <a16:creationId xmlns:a16="http://schemas.microsoft.com/office/drawing/2014/main" id="{209B76B0-D4A0-4841-8811-CF57C2FCF540}"/>
-              </a:ext>
-            </a:extLst>
-          </p:cNvPr>
-          <p:cNvPicPr>
-            <a:picLocks noChangeAspect="1"/>
-          </p:cNvPicPr>
-          <p:nvPr/>
-        </p:nvPicPr>
-        <p:blipFill rotWithShape="1">
-          <a:blip r:embed="rId3">
-            <a:extLst>
-              <a:ext uri="{28A0092B-C50C-407E-A947-70E740481C1C}">
-                <a14:useLocalDpi xmlns:a14="http://schemas.microsoft.com/office/drawing/2010/main" val="0"/>
-              </a:ext>
-            </a:extLst>
-          </a:blip>
-          <a:srcRect r="5741"/>
-          <a:stretch/>
-        </p:blipFill>
-        <p:spPr>
-          <a:xfrm>
-            <a:off x="1" y="10"/>
-            <a:ext cx="4654296" cy="6857990"/>
-          </a:xfrm>
-          <a:prstGeom prst="rect">
-            <a:avLst/>
-          </a:prstGeom>
-        </p:spPr>
-      </p:pic>
-    </p:spTree>
-    <p:extLst>
-      <p:ext uri="{BB962C8B-B14F-4D97-AF65-F5344CB8AC3E}">
-        <p14:creationId xmlns:p14="http://schemas.microsoft.com/office/powerpoint/2010/main" val="719920253"/>
-      </p:ext>
-    </p:extLst>
-  </p:cSld>
-  <p:clrMapOvr>
-    <a:masterClrMapping/>
-  </p:clrMapOvr>
-</p:sld>
-</file>
-
-<file path=ppt/slides/slide11.xml><?xml version="1.0" encoding="utf-8"?>
-<p:sld xmlns:a="http://schemas.openxmlformats.org/drawingml/2006/main" xmlns:r="http://schemas.openxmlformats.org/officeDocument/2006/relationships" xmlns:p="http://schemas.openxmlformats.org/presentationml/2006/main">
-  <p:cSld>
-    <p:spTree>
-      <p:nvGrpSpPr>
-        <p:cNvPr id="1" name=""/>
-        <p:cNvGrpSpPr/>
-        <p:nvPr/>
-      </p:nvGrpSpPr>
-      <p:grpSpPr>
-        <a:xfrm>
-          <a:off x="0" y="0"/>
-          <a:ext cx="0" cy="0"/>
-          <a:chOff x="0" y="0"/>
-          <a:chExt cx="0" cy="0"/>
-        </a:xfrm>
-      </p:grpSpPr>
-      <p:sp>
-        <p:nvSpPr>
-          <p:cNvPr id="2" name="Title 1">
-            <a:extLst>
-              <a:ext uri="{FF2B5EF4-FFF2-40B4-BE49-F238E27FC236}">
-                <a16:creationId xmlns:a16="http://schemas.microsoft.com/office/drawing/2014/main" id="{2A5755BE-860E-40EB-ADA6-6E82BCB49EC3}"/>
-              </a:ext>
-            </a:extLst>
-          </p:cNvPr>
-          <p:cNvSpPr>
-            <a:spLocks noGrp="1"/>
-          </p:cNvSpPr>
-          <p:nvPr>
-            <p:ph type="title"/>
-          </p:nvPr>
-        </p:nvSpPr>
-        <p:spPr>
-          <a:xfrm>
-            <a:off x="838200" y="365125"/>
-            <a:ext cx="10515600" cy="1325563"/>
-          </a:xfrm>
-        </p:spPr>
-        <p:txBody>
-          <a:bodyPr/>
-          <a:lstStyle/>
-          <a:p>
-            <a:r>
-              <a:rPr lang="en-US" dirty="0"/>
-              <a:t>Daily Scrum and Report Out starting at 3:10</a:t>
-            </a:r>
-          </a:p>
-        </p:txBody>
-      </p:sp>
-      <p:sp>
-        <p:nvSpPr>
-          <p:cNvPr id="3" name="Content Placeholder 2">
-            <a:extLst>
-              <a:ext uri="{FF2B5EF4-FFF2-40B4-BE49-F238E27FC236}">
-                <a16:creationId xmlns:a16="http://schemas.microsoft.com/office/drawing/2014/main" id="{72EF5DE0-5958-4171-A9E3-3D288A31AC3F}"/>
-              </a:ext>
-            </a:extLst>
-          </p:cNvPr>
-          <p:cNvSpPr>
-            <a:spLocks noGrp="1"/>
-          </p:cNvSpPr>
-          <p:nvPr>
-            <p:ph idx="1"/>
-          </p:nvPr>
-        </p:nvSpPr>
-        <p:spPr>
-          <a:xfrm>
-            <a:off x="838200" y="1654444"/>
-            <a:ext cx="10515600" cy="4522519"/>
-          </a:xfrm>
-        </p:spPr>
-        <p:txBody>
-          <a:bodyPr>
-            <a:normAutofit/>
-          </a:bodyPr>
-          <a:lstStyle/>
-          <a:p>
-            <a:pPr marL="0" indent="0">
-              <a:buNone/>
-            </a:pPr>
-            <a:r>
-              <a:rPr lang="en-US" sz="2400" dirty="0"/>
-              <a:t>Scrum Master stand up, give your name, your team name, and briefly answer the </a:t>
-            </a:r>
-            <a:r>
-              <a:rPr lang="en-US" sz="2400"/>
-              <a:t>following questions:</a:t>
-            </a:r>
-            <a:endParaRPr lang="en-US" sz="2400" dirty="0"/>
-          </a:p>
-          <a:p>
-            <a:pPr marL="514350" indent="-514350">
-              <a:buFont typeface="+mj-lt"/>
-              <a:buAutoNum type="alphaLcParenR"/>
-            </a:pPr>
-            <a:r>
-              <a:rPr lang="en-US" sz="2400" dirty="0"/>
-              <a:t>What did you accomplish since the last meeting?</a:t>
-            </a:r>
-          </a:p>
-          <a:p>
-            <a:pPr marL="514350" indent="-514350">
-              <a:buFont typeface="+mj-lt"/>
-              <a:buAutoNum type="alphaLcParenR"/>
-            </a:pPr>
-            <a:r>
-              <a:rPr lang="en-US" sz="2400" dirty="0"/>
-              <a:t>What will you working on until the next meeting?</a:t>
-            </a:r>
-          </a:p>
-          <a:p>
-            <a:pPr marL="514350" indent="-514350">
-              <a:buFont typeface="+mj-lt"/>
-              <a:buAutoNum type="alphaLcParenR"/>
-            </a:pPr>
-            <a:r>
-              <a:rPr lang="en-US" sz="2400" dirty="0"/>
-              <a:t>Is the team committed to completing the Sprint 1 assignments? All/Most/Some</a:t>
-            </a:r>
-          </a:p>
-          <a:p>
-            <a:pPr marL="514350" indent="-514350">
-              <a:buFont typeface="+mj-lt"/>
-              <a:buAutoNum type="alphaLcParenR"/>
-            </a:pPr>
-            <a:r>
-              <a:rPr lang="en-US" sz="2400" u="sng" dirty="0"/>
-              <a:t>What is getting in your way or keeping you from completing the assignments?</a:t>
-            </a:r>
-          </a:p>
-          <a:p>
-            <a:pPr marL="0" indent="0">
-              <a:buNone/>
-            </a:pPr>
-            <a:endParaRPr lang="en-US" sz="2000" dirty="0"/>
-          </a:p>
-        </p:txBody>
-      </p:sp>
-    </p:spTree>
-    <p:extLst>
-      <p:ext uri="{BB962C8B-B14F-4D97-AF65-F5344CB8AC3E}">
-        <p14:creationId xmlns:p14="http://schemas.microsoft.com/office/powerpoint/2010/main" val="1850029258"/>
-      </p:ext>
-    </p:extLst>
-  </p:cSld>
-  <p:clrMapOvr>
-    <a:masterClrMapping/>
-  </p:clrMapOvr>
-</p:sld>
-</file>
-
-<file path=ppt/slides/slide12.xml><?xml version="1.0" encoding="utf-8"?>
-<p:sld xmlns:a="http://schemas.openxmlformats.org/drawingml/2006/main" xmlns:r="http://schemas.openxmlformats.org/officeDocument/2006/relationships" xmlns:p="http://schemas.openxmlformats.org/presentationml/2006/main">
-  <p:cSld>
-    <p:bg>
-      <p:bgPr>
-        <a:solidFill>
-          <a:schemeClr val="bg1">
-            <a:lumMod val="85000"/>
-          </a:schemeClr>
-        </a:solidFill>
-        <a:effectLst/>
-      </p:bgPr>
-    </p:bg>
-    <p:spTree>
-      <p:nvGrpSpPr>
-        <p:cNvPr id="1" name=""/>
-        <p:cNvGrpSpPr/>
-        <p:nvPr/>
-      </p:nvGrpSpPr>
-      <p:grpSpPr>
-        <a:xfrm>
-          <a:off x="0" y="0"/>
-          <a:ext cx="0" cy="0"/>
-          <a:chOff x="0" y="0"/>
-          <a:chExt cx="0" cy="0"/>
-        </a:xfrm>
-      </p:grpSpPr>
-      <p:sp>
-        <p:nvSpPr>
-          <p:cNvPr id="2" name="Title 1"/>
-          <p:cNvSpPr>
-            <a:spLocks noGrp="1"/>
-          </p:cNvSpPr>
-          <p:nvPr>
-            <p:ph type="ctrTitle"/>
-          </p:nvPr>
-        </p:nvSpPr>
-        <p:spPr>
-          <a:xfrm>
-            <a:off x="1524000" y="3051480"/>
-            <a:ext cx="9144000" cy="755040"/>
-          </a:xfrm>
-        </p:spPr>
-        <p:txBody>
-          <a:bodyPr anchor="ctr">
-            <a:normAutofit/>
-          </a:bodyPr>
-          <a:lstStyle/>
-          <a:p>
-            <a:r>
-              <a:rPr lang="en-US" sz="4800" dirty="0"/>
-              <a:t>End of Session</a:t>
-            </a:r>
-          </a:p>
-        </p:txBody>
-      </p:sp>
-    </p:spTree>
-    <p:extLst>
-      <p:ext uri="{BB962C8B-B14F-4D97-AF65-F5344CB8AC3E}">
-        <p14:creationId xmlns:p14="http://schemas.microsoft.com/office/powerpoint/2010/main" val="1130818612"/>
-      </p:ext>
-    </p:extLst>
-  </p:cSld>
-  <p:clrMapOvr>
-    <a:masterClrMapping/>
-  </p:clrMapOvr>
-</p:sld>
-</file>
-
-<file path=ppt/slides/slide2.xml><?xml version="1.0" encoding="utf-8"?>
-<p:sld xmlns:a="http://schemas.openxmlformats.org/drawingml/2006/main" xmlns:r="http://schemas.openxmlformats.org/officeDocument/2006/relationships" xmlns:p="http://schemas.openxmlformats.org/presentationml/2006/main">
-  <p:cSld>
-    <p:spTree>
-      <p:nvGrpSpPr>
-        <p:cNvPr id="1" name=""/>
-        <p:cNvGrpSpPr/>
-        <p:nvPr/>
-      </p:nvGrpSpPr>
-      <p:grpSpPr>
-        <a:xfrm>
-          <a:off x="0" y="0"/>
-          <a:ext cx="0" cy="0"/>
-          <a:chOff x="0" y="0"/>
-          <a:chExt cx="0" cy="0"/>
-        </a:xfrm>
-      </p:grpSpPr>
-      <p:sp>
-        <p:nvSpPr>
-          <p:cNvPr id="4" name="Title 1">
-            <a:extLst>
-              <a:ext uri="{FF2B5EF4-FFF2-40B4-BE49-F238E27FC236}">
-                <a16:creationId xmlns:a16="http://schemas.microsoft.com/office/drawing/2014/main" id="{527CE47F-3EF6-48CA-9239-E8B6E5C6B41A}"/>
-              </a:ext>
-            </a:extLst>
-          </p:cNvPr>
-          <p:cNvSpPr>
-            <a:spLocks noGrp="1"/>
-          </p:cNvSpPr>
-          <p:nvPr>
-            <p:ph type="title"/>
-          </p:nvPr>
-        </p:nvSpPr>
-        <p:spPr>
-          <a:xfrm>
-            <a:off x="838200" y="365125"/>
-            <a:ext cx="10515600" cy="1325563"/>
-          </a:xfrm>
-        </p:spPr>
-        <p:txBody>
-          <a:bodyPr>
-            <a:normAutofit/>
-          </a:bodyPr>
-          <a:lstStyle/>
-          <a:p>
-            <a:pPr>
-              <a:spcAft>
-                <a:spcPts val="600"/>
-              </a:spcAft>
-            </a:pPr>
-            <a:r>
-              <a:rPr lang="en-US" sz="3600" dirty="0"/>
-              <a:t>The Agile Manifesto</a:t>
-            </a:r>
-          </a:p>
-        </p:txBody>
-      </p:sp>
-      <p:sp>
-        <p:nvSpPr>
-          <p:cNvPr id="5" name="Content Placeholder 2">
-            <a:extLst>
-              <a:ext uri="{FF2B5EF4-FFF2-40B4-BE49-F238E27FC236}">
-                <a16:creationId xmlns:a16="http://schemas.microsoft.com/office/drawing/2014/main" id="{E8F0EA9A-219C-40FD-AE36-784EE1B77D56}"/>
-              </a:ext>
-            </a:extLst>
-          </p:cNvPr>
-          <p:cNvSpPr>
-            <a:spLocks noGrp="1"/>
-          </p:cNvSpPr>
-          <p:nvPr>
-            <p:ph idx="1"/>
-          </p:nvPr>
-        </p:nvSpPr>
-        <p:spPr>
-          <a:xfrm>
-            <a:off x="838198" y="1690688"/>
-            <a:ext cx="10515601" cy="4486275"/>
-          </a:xfrm>
-        </p:spPr>
-        <p:txBody>
-          <a:bodyPr>
-            <a:normAutofit/>
-          </a:bodyPr>
-          <a:lstStyle/>
-          <a:p>
-            <a:pPr marL="0" indent="0">
-              <a:spcAft>
-                <a:spcPts val="600"/>
-              </a:spcAft>
-              <a:buNone/>
-            </a:pPr>
-            <a:r>
-              <a:rPr lang="en-US" sz="2000" dirty="0"/>
-              <a:t>“We are uncovering better ways of developing software by doing it and helping others do it. Through this work we have come to value: </a:t>
-            </a:r>
-          </a:p>
-          <a:p>
-            <a:pPr lvl="1"/>
-            <a:r>
-              <a:rPr lang="en-US" sz="2000" dirty="0"/>
-              <a:t>Individuals and interactions over processes and tools </a:t>
-            </a:r>
-          </a:p>
-          <a:p>
-            <a:pPr lvl="1"/>
-            <a:r>
-              <a:rPr lang="en-US" sz="2000" dirty="0"/>
-              <a:t>Working software over comprehensive documentation </a:t>
-            </a:r>
-          </a:p>
-          <a:p>
-            <a:pPr lvl="1"/>
-            <a:r>
-              <a:rPr lang="en-US" sz="2000" dirty="0"/>
-              <a:t>Customer collaboration over contract negotiation </a:t>
-            </a:r>
-          </a:p>
-          <a:p>
-            <a:pPr lvl="1"/>
-            <a:r>
-              <a:rPr lang="en-US" sz="2000" dirty="0"/>
-              <a:t>Responding to change over following a plan </a:t>
-            </a:r>
-          </a:p>
-          <a:p>
-            <a:pPr marL="0" indent="0">
-              <a:spcBef>
-                <a:spcPts val="1800"/>
-              </a:spcBef>
-              <a:buNone/>
-            </a:pPr>
-            <a:r>
-              <a:rPr lang="en-US" sz="2000" dirty="0"/>
-              <a:t>That is, while there is value in the items on the right, we value the items on the left more.”</a:t>
-            </a:r>
-          </a:p>
-        </p:txBody>
-      </p:sp>
-    </p:spTree>
-    <p:extLst>
-      <p:ext uri="{BB962C8B-B14F-4D97-AF65-F5344CB8AC3E}">
-        <p14:creationId xmlns:p14="http://schemas.microsoft.com/office/powerpoint/2010/main" val="1829953935"/>
-      </p:ext>
-    </p:extLst>
-  </p:cSld>
-  <p:clrMapOvr>
-    <a:masterClrMapping/>
-  </p:clrMapOvr>
-</p:sld>
-</file>
-
-<file path=ppt/slides/slide3.xml><?xml version="1.0" encoding="utf-8"?>
-<p:sld xmlns:a="http://schemas.openxmlformats.org/drawingml/2006/main" xmlns:r="http://schemas.openxmlformats.org/officeDocument/2006/relationships" xmlns:p="http://schemas.openxmlformats.org/presentationml/2006/main">
-  <p:cSld>
-    <p:spTree>
-      <p:nvGrpSpPr>
-        <p:cNvPr id="1" name=""/>
-        <p:cNvGrpSpPr/>
-        <p:nvPr/>
-      </p:nvGrpSpPr>
-      <p:grpSpPr>
-        <a:xfrm>
-          <a:off x="0" y="0"/>
-          <a:ext cx="0" cy="0"/>
-          <a:chOff x="0" y="0"/>
-          <a:chExt cx="0" cy="0"/>
-        </a:xfrm>
-      </p:grpSpPr>
-      <p:sp>
-        <p:nvSpPr>
-          <p:cNvPr id="2" name="Title 1"/>
-          <p:cNvSpPr>
-            <a:spLocks noGrp="1"/>
-          </p:cNvSpPr>
-          <p:nvPr>
-            <p:ph type="ctrTitle"/>
-          </p:nvPr>
-        </p:nvSpPr>
-        <p:spPr>
-          <a:xfrm>
-            <a:off x="1524000" y="3025490"/>
-            <a:ext cx="9144000" cy="807019"/>
-          </a:xfrm>
-        </p:spPr>
-        <p:txBody>
-          <a:bodyPr anchor="ctr">
-            <a:normAutofit/>
-          </a:bodyPr>
-          <a:lstStyle/>
-          <a:p>
-            <a:r>
-              <a:rPr lang="en-US" sz="4800" dirty="0"/>
-              <a:t>Q&amp;A: Syllabus Overview</a:t>
-            </a:r>
-          </a:p>
-        </p:txBody>
-      </p:sp>
-    </p:spTree>
-    <p:extLst>
-      <p:ext uri="{BB962C8B-B14F-4D97-AF65-F5344CB8AC3E}">
-        <p14:creationId xmlns:p14="http://schemas.microsoft.com/office/powerpoint/2010/main" val="1661887882"/>
-      </p:ext>
-    </p:extLst>
-  </p:cSld>
-  <p:clrMapOvr>
-    <a:masterClrMapping/>
-  </p:clrMapOvr>
-</p:sld>
-</file>
-
-<file path=ppt/slides/slide4.xml><?xml version="1.0" encoding="utf-8"?>
-<p:sld xmlns:a="http://schemas.openxmlformats.org/drawingml/2006/main" xmlns:r="http://schemas.openxmlformats.org/officeDocument/2006/relationships" xmlns:p="http://schemas.openxmlformats.org/presentationml/2006/main">
-  <p:cSld>
-    <p:spTree>
-      <p:nvGrpSpPr>
-        <p:cNvPr id="1" name=""/>
-        <p:cNvGrpSpPr/>
-        <p:nvPr/>
-      </p:nvGrpSpPr>
-      <p:grpSpPr>
-        <a:xfrm>
-          <a:off x="0" y="0"/>
-          <a:ext cx="0" cy="0"/>
-          <a:chOff x="0" y="0"/>
-          <a:chExt cx="0" cy="0"/>
-        </a:xfrm>
-      </p:grpSpPr>
-      <p:sp>
-        <p:nvSpPr>
-          <p:cNvPr id="2" name="Title 1"/>
-          <p:cNvSpPr>
-            <a:spLocks noGrp="1"/>
-          </p:cNvSpPr>
-          <p:nvPr>
-            <p:ph type="ctrTitle"/>
-          </p:nvPr>
-        </p:nvSpPr>
-        <p:spPr>
-          <a:xfrm>
-            <a:off x="1524000" y="3025490"/>
-            <a:ext cx="9144000" cy="807019"/>
-          </a:xfrm>
-        </p:spPr>
-        <p:txBody>
-          <a:bodyPr anchor="ctr">
-            <a:normAutofit/>
-          </a:bodyPr>
-          <a:lstStyle/>
-          <a:p>
-            <a:r>
-              <a:rPr lang="en-US" sz="4800" dirty="0"/>
-              <a:t>Discussion: Scrum &amp; Scrum Roles</a:t>
-            </a:r>
-          </a:p>
-        </p:txBody>
-      </p:sp>
-    </p:spTree>
-    <p:extLst>
-      <p:ext uri="{BB962C8B-B14F-4D97-AF65-F5344CB8AC3E}">
-        <p14:creationId xmlns:p14="http://schemas.microsoft.com/office/powerpoint/2010/main" val="1480371957"/>
-      </p:ext>
-    </p:extLst>
-  </p:cSld>
-  <p:clrMapOvr>
-    <a:masterClrMapping/>
-  </p:clrMapOvr>
-</p:sld>
-</file>
-
-<file path=ppt/slides/slide5.xml><?xml version="1.0" encoding="utf-8"?>
-<p:sld xmlns:a="http://schemas.openxmlformats.org/drawingml/2006/main" xmlns:r="http://schemas.openxmlformats.org/officeDocument/2006/relationships" xmlns:p="http://schemas.openxmlformats.org/presentationml/2006/main">
-  <p:cSld>
-    <p:spTree>
-      <p:nvGrpSpPr>
-        <p:cNvPr id="1" name=""/>
-        <p:cNvGrpSpPr/>
-        <p:nvPr/>
-      </p:nvGrpSpPr>
-      <p:grpSpPr>
-        <a:xfrm>
-          <a:off x="0" y="0"/>
-          <a:ext cx="0" cy="0"/>
-          <a:chOff x="0" y="0"/>
-          <a:chExt cx="0" cy="0"/>
-        </a:xfrm>
-      </p:grpSpPr>
-      <p:sp>
-        <p:nvSpPr>
-          <p:cNvPr id="2" name="Title 1">
-            <a:extLst>
-              <a:ext uri="{FF2B5EF4-FFF2-40B4-BE49-F238E27FC236}">
                 <a16:creationId xmlns:a16="http://schemas.microsoft.com/office/drawing/2014/main" id="{443FD3EE-6698-4602-B4C0-718F014616A4}"/>
               </a:ext>
             </a:extLst>
@@ -5626,7 +5494,7 @@
           <a:p>
             <a:r>
               <a:rPr lang="en-US" dirty="0"/>
-              <a:t>Scrum &amp; Scrum Roles – Sprint Review</a:t>
+              <a:t>Scrum &amp; Scrum Roles – Sprint Planning</a:t>
             </a:r>
           </a:p>
         </p:txBody>
@@ -5956,7 +5824,7 @@
 </p:sld>
 </file>
 
-<file path=ppt/slides/slide6.xml><?xml version="1.0" encoding="utf-8"?>
+<file path=ppt/slides/slide11.xml><?xml version="1.0" encoding="utf-8"?>
 <p:sld xmlns:a="http://schemas.openxmlformats.org/drawingml/2006/main" xmlns:r="http://schemas.openxmlformats.org/officeDocument/2006/relationships" xmlns:p="http://schemas.openxmlformats.org/presentationml/2006/main">
   <p:cSld>
     <p:spTree>
@@ -5986,7 +5854,7 @@
         <p:spPr>
           <a:xfrm>
             <a:off x="1524000" y="1122365"/>
-            <a:ext cx="9144000" cy="1839044"/>
+            <a:ext cx="9144000" cy="1362127"/>
           </a:xfrm>
         </p:spPr>
         <p:txBody>
@@ -6018,8 +5886,8 @@
         </p:nvSpPr>
         <p:spPr>
           <a:xfrm>
-            <a:off x="838199" y="3190008"/>
-            <a:ext cx="10515601" cy="3368107"/>
+            <a:off x="838199" y="2685214"/>
+            <a:ext cx="10515601" cy="3872901"/>
           </a:xfrm>
           <a:prstGeom prst="rect">
             <a:avLst/>
@@ -6201,7 +6069,7 @@
             </a:pPr>
             <a:r>
               <a:rPr lang="en-US" sz="2000" u="sng" dirty="0"/>
-              <a:t>Lab Activates:</a:t>
+              <a:t>Activates:</a:t>
             </a:r>
           </a:p>
           <a:p>
@@ -6226,8 +6094,8 @@
               <a:buChar char="§"/>
             </a:pPr>
             <a:r>
-              <a:rPr lang="en-US" sz="1600" dirty="0"/>
-              <a:t>Make sure that the team has a mix of skillsets</a:t>
+              <a:rPr lang="en-US" dirty="0"/>
+              <a:t>Make sure that the team has a mix of programming experience levels</a:t>
             </a:r>
           </a:p>
           <a:p>
@@ -6239,7 +6107,20 @@
               <a:buChar char="§"/>
             </a:pPr>
             <a:r>
-              <a:rPr lang="en-US" sz="1600" dirty="0"/>
+              <a:rPr lang="en-US" dirty="0"/>
+              <a:t>Co-locate your team</a:t>
+            </a:r>
+          </a:p>
+          <a:p>
+            <a:pPr marL="914400" lvl="1" indent="-457200" algn="l">
+              <a:spcBef>
+                <a:spcPts val="0"/>
+              </a:spcBef>
+              <a:buFont typeface="Wingdings" panose="05000000000000000000" pitchFamily="2" charset="2"/>
+              <a:buChar char="§"/>
+            </a:pPr>
+            <a:r>
+              <a:rPr lang="en-US" dirty="0"/>
               <a:t>Add your team name to your name card</a:t>
             </a:r>
           </a:p>
@@ -6265,8 +6146,8 @@
               <a:buAutoNum type="alphaUcPeriod"/>
             </a:pPr>
             <a:r>
-              <a:rPr lang="en-US" sz="1600" dirty="0"/>
-              <a:t>Verify Sprint 1 Planning Understanding and Commitment</a:t>
+              <a:rPr lang="en-US" dirty="0"/>
+              <a:t>Review &amp; Verify Sprint 1 Planning Understanding and Commitment</a:t>
             </a:r>
           </a:p>
           <a:p>
@@ -6278,7 +6159,7 @@
               <a:buAutoNum type="alphaUcPeriod"/>
             </a:pPr>
             <a:r>
-              <a:rPr lang="en-US" sz="1600" dirty="0"/>
+              <a:rPr lang="en-US" dirty="0"/>
               <a:t>Install and verify Java SDK</a:t>
             </a:r>
           </a:p>
@@ -6291,7 +6172,7 @@
               <a:buAutoNum type="alphaUcPeriod"/>
             </a:pPr>
             <a:r>
-              <a:rPr lang="en-US" sz="1600" dirty="0"/>
+              <a:rPr lang="en-US" dirty="0"/>
               <a:t>Install Visual Studio Code… or other preferred text editor</a:t>
             </a:r>
           </a:p>
@@ -6304,7 +6185,7 @@
               <a:buAutoNum type="alphaUcPeriod"/>
             </a:pPr>
             <a:r>
-              <a:rPr lang="en-US" sz="1600" dirty="0"/>
+              <a:rPr lang="en-US" dirty="0"/>
               <a:t>BMI Calculator Plus coding together</a:t>
             </a:r>
           </a:p>
@@ -6316,7 +6197,7 @@
               <a:buFont typeface="+mj-lt"/>
               <a:buAutoNum type="alphaUcPeriod"/>
             </a:pPr>
-            <a:endParaRPr lang="en-US" sz="1600" dirty="0"/>
+            <a:endParaRPr lang="en-US" dirty="0"/>
           </a:p>
           <a:p>
             <a:pPr marL="457200" indent="-457200" algn="l">
@@ -6346,7 +6227,7 @@
 </p:sld>
 </file>
 
-<file path=ppt/slides/slide7.xml><?xml version="1.0" encoding="utf-8"?>
+<file path=ppt/slides/slide12.xml><?xml version="1.0" encoding="utf-8"?>
 <p:sld xmlns:a="http://schemas.openxmlformats.org/drawingml/2006/main" xmlns:r="http://schemas.openxmlformats.org/officeDocument/2006/relationships" xmlns:p="http://schemas.openxmlformats.org/presentationml/2006/main">
   <p:cSld>
     <p:spTree>
@@ -6586,7 +6467,7 @@
 </p:sld>
 </file>
 
-<file path=ppt/slides/slide8.xml><?xml version="1.0" encoding="utf-8"?>
+<file path=ppt/slides/slide13.xml><?xml version="1.0" encoding="utf-8"?>
 <p:sld xmlns:a="http://schemas.openxmlformats.org/drawingml/2006/main" xmlns:r="http://schemas.openxmlformats.org/officeDocument/2006/relationships" xmlns:p="http://schemas.openxmlformats.org/presentationml/2006/main">
   <p:cSld>
     <p:spTree>
@@ -7084,7 +6965,7 @@
 </p:sld>
 </file>
 
-<file path=ppt/slides/slide9.xml><?xml version="1.0" encoding="utf-8"?>
+<file path=ppt/slides/slide14.xml><?xml version="1.0" encoding="utf-8"?>
 <p:sld xmlns:a="http://schemas.openxmlformats.org/drawingml/2006/main" xmlns:r="http://schemas.openxmlformats.org/officeDocument/2006/relationships" xmlns:p="http://schemas.openxmlformats.org/presentationml/2006/main">
   <p:cSld>
     <p:spTree>
@@ -7164,6 +7045,1166 @@
     <p:extLst>
       <p:ext uri="{BB962C8B-B14F-4D97-AF65-F5344CB8AC3E}">
         <p14:creationId xmlns:p14="http://schemas.microsoft.com/office/powerpoint/2010/main" val="1983487100"/>
+      </p:ext>
+    </p:extLst>
+  </p:cSld>
+  <p:clrMapOvr>
+    <a:masterClrMapping/>
+  </p:clrMapOvr>
+</p:sld>
+</file>
+
+<file path=ppt/slides/slide15.xml><?xml version="1.0" encoding="utf-8"?>
+<p:sld xmlns:a="http://schemas.openxmlformats.org/drawingml/2006/main" xmlns:r="http://schemas.openxmlformats.org/officeDocument/2006/relationships" xmlns:p="http://schemas.openxmlformats.org/presentationml/2006/main">
+  <p:cSld>
+    <p:spTree>
+      <p:nvGrpSpPr>
+        <p:cNvPr id="1" name=""/>
+        <p:cNvGrpSpPr/>
+        <p:nvPr/>
+      </p:nvGrpSpPr>
+      <p:grpSpPr>
+        <a:xfrm>
+          <a:off x="0" y="0"/>
+          <a:ext cx="0" cy="0"/>
+          <a:chOff x="0" y="0"/>
+          <a:chExt cx="0" cy="0"/>
+        </a:xfrm>
+      </p:grpSpPr>
+      <p:sp>
+        <p:nvSpPr>
+          <p:cNvPr id="2" name="Title 1">
+            <a:extLst>
+              <a:ext uri="{FF2B5EF4-FFF2-40B4-BE49-F238E27FC236}">
+                <a16:creationId xmlns:a16="http://schemas.microsoft.com/office/drawing/2014/main" id="{E52A0004-AEC1-4D2F-8A7E-370FDC8B4F59}"/>
+              </a:ext>
+            </a:extLst>
+          </p:cNvPr>
+          <p:cNvSpPr>
+            <a:spLocks noGrp="1"/>
+          </p:cNvSpPr>
+          <p:nvPr>
+            <p:ph type="title"/>
+          </p:nvPr>
+        </p:nvSpPr>
+        <p:spPr>
+          <a:xfrm>
+            <a:off x="5277329" y="640080"/>
+            <a:ext cx="6274590" cy="4018341"/>
+          </a:xfrm>
+          <a:noFill/>
+        </p:spPr>
+        <p:txBody>
+          <a:bodyPr vert="horz" lIns="91440" tIns="45720" rIns="91440" bIns="45720" rtlCol="0" anchor="b">
+            <a:normAutofit/>
+          </a:bodyPr>
+          <a:lstStyle/>
+          <a:p>
+            <a:r>
+              <a:rPr lang="en-US" sz="6000"/>
+              <a:t>BMI Calculator Plus – UML</a:t>
+            </a:r>
+          </a:p>
+        </p:txBody>
+      </p:sp>
+      <p:pic>
+        <p:nvPicPr>
+          <p:cNvPr id="5" name="Picture 4" descr="A close up of text on a whiteboard&#10;&#10;Description automatically generated">
+            <a:extLst>
+              <a:ext uri="{FF2B5EF4-FFF2-40B4-BE49-F238E27FC236}">
+                <a16:creationId xmlns:a16="http://schemas.microsoft.com/office/drawing/2014/main" id="{209B76B0-D4A0-4841-8811-CF57C2FCF540}"/>
+              </a:ext>
+            </a:extLst>
+          </p:cNvPr>
+          <p:cNvPicPr>
+            <a:picLocks noChangeAspect="1"/>
+          </p:cNvPicPr>
+          <p:nvPr/>
+        </p:nvPicPr>
+        <p:blipFill rotWithShape="1">
+          <a:blip r:embed="rId3">
+            <a:extLst>
+              <a:ext uri="{28A0092B-C50C-407E-A947-70E740481C1C}">
+                <a14:useLocalDpi xmlns:a14="http://schemas.microsoft.com/office/drawing/2010/main" val="0"/>
+              </a:ext>
+            </a:extLst>
+          </a:blip>
+          <a:srcRect r="5741"/>
+          <a:stretch/>
+        </p:blipFill>
+        <p:spPr>
+          <a:xfrm>
+            <a:off x="1" y="10"/>
+            <a:ext cx="4654296" cy="6857990"/>
+          </a:xfrm>
+          <a:prstGeom prst="rect">
+            <a:avLst/>
+          </a:prstGeom>
+        </p:spPr>
+      </p:pic>
+    </p:spTree>
+    <p:extLst>
+      <p:ext uri="{BB962C8B-B14F-4D97-AF65-F5344CB8AC3E}">
+        <p14:creationId xmlns:p14="http://schemas.microsoft.com/office/powerpoint/2010/main" val="719920253"/>
+      </p:ext>
+    </p:extLst>
+  </p:cSld>
+  <p:clrMapOvr>
+    <a:masterClrMapping/>
+  </p:clrMapOvr>
+</p:sld>
+</file>
+
+<file path=ppt/slides/slide16.xml><?xml version="1.0" encoding="utf-8"?>
+<p:sld xmlns:a="http://schemas.openxmlformats.org/drawingml/2006/main" xmlns:r="http://schemas.openxmlformats.org/officeDocument/2006/relationships" xmlns:p="http://schemas.openxmlformats.org/presentationml/2006/main">
+  <p:cSld>
+    <p:spTree>
+      <p:nvGrpSpPr>
+        <p:cNvPr id="1" name=""/>
+        <p:cNvGrpSpPr/>
+        <p:nvPr/>
+      </p:nvGrpSpPr>
+      <p:grpSpPr>
+        <a:xfrm>
+          <a:off x="0" y="0"/>
+          <a:ext cx="0" cy="0"/>
+          <a:chOff x="0" y="0"/>
+          <a:chExt cx="0" cy="0"/>
+        </a:xfrm>
+      </p:grpSpPr>
+      <p:sp>
+        <p:nvSpPr>
+          <p:cNvPr id="2" name="Title 1">
+            <a:extLst>
+              <a:ext uri="{FF2B5EF4-FFF2-40B4-BE49-F238E27FC236}">
+                <a16:creationId xmlns:a16="http://schemas.microsoft.com/office/drawing/2014/main" id="{2A5755BE-860E-40EB-ADA6-6E82BCB49EC3}"/>
+              </a:ext>
+            </a:extLst>
+          </p:cNvPr>
+          <p:cNvSpPr>
+            <a:spLocks noGrp="1"/>
+          </p:cNvSpPr>
+          <p:nvPr>
+            <p:ph type="title"/>
+          </p:nvPr>
+        </p:nvSpPr>
+        <p:spPr>
+          <a:xfrm>
+            <a:off x="838200" y="365125"/>
+            <a:ext cx="10515600" cy="1325563"/>
+          </a:xfrm>
+        </p:spPr>
+        <p:txBody>
+          <a:bodyPr/>
+          <a:lstStyle/>
+          <a:p>
+            <a:r>
+              <a:rPr lang="en-US" dirty="0"/>
+              <a:t>Daily Scrum and Report Out starting at 3:10</a:t>
+            </a:r>
+          </a:p>
+        </p:txBody>
+      </p:sp>
+      <p:sp>
+        <p:nvSpPr>
+          <p:cNvPr id="3" name="Content Placeholder 2">
+            <a:extLst>
+              <a:ext uri="{FF2B5EF4-FFF2-40B4-BE49-F238E27FC236}">
+                <a16:creationId xmlns:a16="http://schemas.microsoft.com/office/drawing/2014/main" id="{72EF5DE0-5958-4171-A9E3-3D288A31AC3F}"/>
+              </a:ext>
+            </a:extLst>
+          </p:cNvPr>
+          <p:cNvSpPr>
+            <a:spLocks noGrp="1"/>
+          </p:cNvSpPr>
+          <p:nvPr>
+            <p:ph idx="1"/>
+          </p:nvPr>
+        </p:nvSpPr>
+        <p:spPr>
+          <a:xfrm>
+            <a:off x="838200" y="1654444"/>
+            <a:ext cx="10515600" cy="4522519"/>
+          </a:xfrm>
+        </p:spPr>
+        <p:txBody>
+          <a:bodyPr>
+            <a:normAutofit/>
+          </a:bodyPr>
+          <a:lstStyle/>
+          <a:p>
+            <a:pPr marL="0" indent="0">
+              <a:buNone/>
+            </a:pPr>
+            <a:r>
+              <a:rPr lang="en-US" sz="2400" dirty="0"/>
+              <a:t>Scrum Master stand up, give your name, your team name, and briefly answer the </a:t>
+            </a:r>
+            <a:r>
+              <a:rPr lang="en-US" sz="2400"/>
+              <a:t>following questions:</a:t>
+            </a:r>
+            <a:endParaRPr lang="en-US" sz="2400" dirty="0"/>
+          </a:p>
+          <a:p>
+            <a:pPr marL="514350" indent="-514350">
+              <a:buFont typeface="+mj-lt"/>
+              <a:buAutoNum type="alphaLcParenR"/>
+            </a:pPr>
+            <a:r>
+              <a:rPr lang="en-US" sz="2400" dirty="0"/>
+              <a:t>What did you accomplish since the last meeting?</a:t>
+            </a:r>
+          </a:p>
+          <a:p>
+            <a:pPr marL="514350" indent="-514350">
+              <a:buFont typeface="+mj-lt"/>
+              <a:buAutoNum type="alphaLcParenR"/>
+            </a:pPr>
+            <a:r>
+              <a:rPr lang="en-US" sz="2400" dirty="0"/>
+              <a:t>What will you working on until the next meeting?</a:t>
+            </a:r>
+          </a:p>
+          <a:p>
+            <a:pPr marL="514350" indent="-514350">
+              <a:buFont typeface="+mj-lt"/>
+              <a:buAutoNum type="alphaLcParenR"/>
+            </a:pPr>
+            <a:r>
+              <a:rPr lang="en-US" sz="2400" dirty="0"/>
+              <a:t>Is the team committed to completing the Sprint 1 assignments? All/Most/Some</a:t>
+            </a:r>
+          </a:p>
+          <a:p>
+            <a:pPr marL="514350" indent="-514350">
+              <a:buFont typeface="+mj-lt"/>
+              <a:buAutoNum type="alphaLcParenR"/>
+            </a:pPr>
+            <a:r>
+              <a:rPr lang="en-US" sz="2400" u="sng" dirty="0"/>
+              <a:t>What is getting in your way or keeping you from completing the assignments?</a:t>
+            </a:r>
+          </a:p>
+          <a:p>
+            <a:pPr marL="0" indent="0">
+              <a:buNone/>
+            </a:pPr>
+            <a:endParaRPr lang="en-US" sz="2000" dirty="0"/>
+          </a:p>
+        </p:txBody>
+      </p:sp>
+    </p:spTree>
+    <p:extLst>
+      <p:ext uri="{BB962C8B-B14F-4D97-AF65-F5344CB8AC3E}">
+        <p14:creationId xmlns:p14="http://schemas.microsoft.com/office/powerpoint/2010/main" val="1850029258"/>
+      </p:ext>
+    </p:extLst>
+  </p:cSld>
+  <p:clrMapOvr>
+    <a:masterClrMapping/>
+  </p:clrMapOvr>
+</p:sld>
+</file>
+
+<file path=ppt/slides/slide17.xml><?xml version="1.0" encoding="utf-8"?>
+<p:sld xmlns:a="http://schemas.openxmlformats.org/drawingml/2006/main" xmlns:r="http://schemas.openxmlformats.org/officeDocument/2006/relationships" xmlns:p="http://schemas.openxmlformats.org/presentationml/2006/main">
+  <p:cSld>
+    <p:bg>
+      <p:bgPr>
+        <a:solidFill>
+          <a:schemeClr val="bg1">
+            <a:lumMod val="85000"/>
+          </a:schemeClr>
+        </a:solidFill>
+        <a:effectLst/>
+      </p:bgPr>
+    </p:bg>
+    <p:spTree>
+      <p:nvGrpSpPr>
+        <p:cNvPr id="1" name=""/>
+        <p:cNvGrpSpPr/>
+        <p:nvPr/>
+      </p:nvGrpSpPr>
+      <p:grpSpPr>
+        <a:xfrm>
+          <a:off x="0" y="0"/>
+          <a:ext cx="0" cy="0"/>
+          <a:chOff x="0" y="0"/>
+          <a:chExt cx="0" cy="0"/>
+        </a:xfrm>
+      </p:grpSpPr>
+      <p:sp>
+        <p:nvSpPr>
+          <p:cNvPr id="2" name="Title 1"/>
+          <p:cNvSpPr>
+            <a:spLocks noGrp="1"/>
+          </p:cNvSpPr>
+          <p:nvPr>
+            <p:ph type="ctrTitle"/>
+          </p:nvPr>
+        </p:nvSpPr>
+        <p:spPr>
+          <a:xfrm>
+            <a:off x="1524000" y="3051480"/>
+            <a:ext cx="9144000" cy="755040"/>
+          </a:xfrm>
+        </p:spPr>
+        <p:txBody>
+          <a:bodyPr anchor="ctr">
+            <a:normAutofit/>
+          </a:bodyPr>
+          <a:lstStyle/>
+          <a:p>
+            <a:r>
+              <a:rPr lang="en-US" sz="4800" dirty="0"/>
+              <a:t>End of Session</a:t>
+            </a:r>
+          </a:p>
+        </p:txBody>
+      </p:sp>
+    </p:spTree>
+    <p:extLst>
+      <p:ext uri="{BB962C8B-B14F-4D97-AF65-F5344CB8AC3E}">
+        <p14:creationId xmlns:p14="http://schemas.microsoft.com/office/powerpoint/2010/main" val="1130818612"/>
+      </p:ext>
+    </p:extLst>
+  </p:cSld>
+  <p:clrMapOvr>
+    <a:masterClrMapping/>
+  </p:clrMapOvr>
+</p:sld>
+</file>
+
+<file path=ppt/slides/slide2.xml><?xml version="1.0" encoding="utf-8"?>
+<p:sld xmlns:a="http://schemas.openxmlformats.org/drawingml/2006/main" xmlns:r="http://schemas.openxmlformats.org/officeDocument/2006/relationships" xmlns:p="http://schemas.openxmlformats.org/presentationml/2006/main">
+  <p:cSld>
+    <p:spTree>
+      <p:nvGrpSpPr>
+        <p:cNvPr id="1" name=""/>
+        <p:cNvGrpSpPr/>
+        <p:nvPr/>
+      </p:nvGrpSpPr>
+      <p:grpSpPr>
+        <a:xfrm>
+          <a:off x="0" y="0"/>
+          <a:ext cx="0" cy="0"/>
+          <a:chOff x="0" y="0"/>
+          <a:chExt cx="0" cy="0"/>
+        </a:xfrm>
+      </p:grpSpPr>
+      <p:sp>
+        <p:nvSpPr>
+          <p:cNvPr id="4" name="Title 1">
+            <a:extLst>
+              <a:ext uri="{FF2B5EF4-FFF2-40B4-BE49-F238E27FC236}">
+                <a16:creationId xmlns:a16="http://schemas.microsoft.com/office/drawing/2014/main" id="{527CE47F-3EF6-48CA-9239-E8B6E5C6B41A}"/>
+              </a:ext>
+            </a:extLst>
+          </p:cNvPr>
+          <p:cNvSpPr>
+            <a:spLocks noGrp="1"/>
+          </p:cNvSpPr>
+          <p:nvPr>
+            <p:ph type="title"/>
+          </p:nvPr>
+        </p:nvSpPr>
+        <p:spPr>
+          <a:xfrm>
+            <a:off x="838200" y="365125"/>
+            <a:ext cx="10515600" cy="1325563"/>
+          </a:xfrm>
+        </p:spPr>
+        <p:txBody>
+          <a:bodyPr>
+            <a:normAutofit/>
+          </a:bodyPr>
+          <a:lstStyle/>
+          <a:p>
+            <a:pPr>
+              <a:spcAft>
+                <a:spcPts val="600"/>
+              </a:spcAft>
+            </a:pPr>
+            <a:r>
+              <a:rPr lang="en-US" sz="3600" dirty="0"/>
+              <a:t>The Agile Manifesto</a:t>
+            </a:r>
+          </a:p>
+        </p:txBody>
+      </p:sp>
+      <p:sp>
+        <p:nvSpPr>
+          <p:cNvPr id="5" name="Content Placeholder 2">
+            <a:extLst>
+              <a:ext uri="{FF2B5EF4-FFF2-40B4-BE49-F238E27FC236}">
+                <a16:creationId xmlns:a16="http://schemas.microsoft.com/office/drawing/2014/main" id="{E8F0EA9A-219C-40FD-AE36-784EE1B77D56}"/>
+              </a:ext>
+            </a:extLst>
+          </p:cNvPr>
+          <p:cNvSpPr>
+            <a:spLocks noGrp="1"/>
+          </p:cNvSpPr>
+          <p:nvPr>
+            <p:ph idx="1"/>
+          </p:nvPr>
+        </p:nvSpPr>
+        <p:spPr>
+          <a:xfrm>
+            <a:off x="838198" y="1690688"/>
+            <a:ext cx="10515601" cy="4486275"/>
+          </a:xfrm>
+        </p:spPr>
+        <p:txBody>
+          <a:bodyPr>
+            <a:normAutofit/>
+          </a:bodyPr>
+          <a:lstStyle/>
+          <a:p>
+            <a:pPr marL="0" indent="0">
+              <a:spcAft>
+                <a:spcPts val="600"/>
+              </a:spcAft>
+              <a:buNone/>
+            </a:pPr>
+            <a:r>
+              <a:rPr lang="en-US" sz="2000" dirty="0"/>
+              <a:t>“We are uncovering better ways of developing software by doing it and helping others do it. Through this work we have come to value: </a:t>
+            </a:r>
+          </a:p>
+          <a:p>
+            <a:pPr lvl="1"/>
+            <a:r>
+              <a:rPr lang="en-US" sz="2000" dirty="0"/>
+              <a:t>Individuals and interactions over processes and tools </a:t>
+            </a:r>
+          </a:p>
+          <a:p>
+            <a:pPr lvl="1"/>
+            <a:r>
+              <a:rPr lang="en-US" sz="2000" dirty="0"/>
+              <a:t>Working software over comprehensive documentation </a:t>
+            </a:r>
+          </a:p>
+          <a:p>
+            <a:pPr lvl="1"/>
+            <a:r>
+              <a:rPr lang="en-US" sz="2000" dirty="0"/>
+              <a:t>Customer collaboration over contract negotiation </a:t>
+            </a:r>
+          </a:p>
+          <a:p>
+            <a:pPr lvl="1"/>
+            <a:r>
+              <a:rPr lang="en-US" sz="2000" dirty="0"/>
+              <a:t>Responding to change over following a plan </a:t>
+            </a:r>
+          </a:p>
+          <a:p>
+            <a:pPr marL="0" indent="0">
+              <a:spcBef>
+                <a:spcPts val="1800"/>
+              </a:spcBef>
+              <a:buNone/>
+            </a:pPr>
+            <a:r>
+              <a:rPr lang="en-US" sz="2000" dirty="0"/>
+              <a:t>That is, while there is value in the items on the right, we value the items on the left more.”</a:t>
+            </a:r>
+          </a:p>
+        </p:txBody>
+      </p:sp>
+    </p:spTree>
+    <p:extLst>
+      <p:ext uri="{BB962C8B-B14F-4D97-AF65-F5344CB8AC3E}">
+        <p14:creationId xmlns:p14="http://schemas.microsoft.com/office/powerpoint/2010/main" val="1829953935"/>
+      </p:ext>
+    </p:extLst>
+  </p:cSld>
+  <p:clrMapOvr>
+    <a:masterClrMapping/>
+  </p:clrMapOvr>
+</p:sld>
+</file>
+
+<file path=ppt/slides/slide3.xml><?xml version="1.0" encoding="utf-8"?>
+<p:sld xmlns:a="http://schemas.openxmlformats.org/drawingml/2006/main" xmlns:r="http://schemas.openxmlformats.org/officeDocument/2006/relationships" xmlns:p="http://schemas.openxmlformats.org/presentationml/2006/main">
+  <p:cSld>
+    <p:spTree>
+      <p:nvGrpSpPr>
+        <p:cNvPr id="1" name=""/>
+        <p:cNvGrpSpPr/>
+        <p:nvPr/>
+      </p:nvGrpSpPr>
+      <p:grpSpPr>
+        <a:xfrm>
+          <a:off x="0" y="0"/>
+          <a:ext cx="0" cy="0"/>
+          <a:chOff x="0" y="0"/>
+          <a:chExt cx="0" cy="0"/>
+        </a:xfrm>
+      </p:grpSpPr>
+      <p:sp>
+        <p:nvSpPr>
+          <p:cNvPr id="2" name="Title 1"/>
+          <p:cNvSpPr>
+            <a:spLocks noGrp="1"/>
+          </p:cNvSpPr>
+          <p:nvPr>
+            <p:ph type="ctrTitle"/>
+          </p:nvPr>
+        </p:nvSpPr>
+        <p:spPr>
+          <a:xfrm>
+            <a:off x="1524000" y="3025490"/>
+            <a:ext cx="9144000" cy="807019"/>
+          </a:xfrm>
+        </p:spPr>
+        <p:txBody>
+          <a:bodyPr anchor="ctr">
+            <a:normAutofit/>
+          </a:bodyPr>
+          <a:lstStyle/>
+          <a:p>
+            <a:r>
+              <a:rPr lang="en-US" sz="4800" dirty="0"/>
+              <a:t>Q&amp;A: Syllabus Overview</a:t>
+            </a:r>
+          </a:p>
+        </p:txBody>
+      </p:sp>
+    </p:spTree>
+    <p:extLst>
+      <p:ext uri="{BB962C8B-B14F-4D97-AF65-F5344CB8AC3E}">
+        <p14:creationId xmlns:p14="http://schemas.microsoft.com/office/powerpoint/2010/main" val="1661887882"/>
+      </p:ext>
+    </p:extLst>
+  </p:cSld>
+  <p:clrMapOvr>
+    <a:masterClrMapping/>
+  </p:clrMapOvr>
+</p:sld>
+</file>
+
+<file path=ppt/slides/slide4.xml><?xml version="1.0" encoding="utf-8"?>
+<p:sld xmlns:a="http://schemas.openxmlformats.org/drawingml/2006/main" xmlns:r="http://schemas.openxmlformats.org/officeDocument/2006/relationships" xmlns:p="http://schemas.openxmlformats.org/presentationml/2006/main">
+  <p:cSld>
+    <p:spTree>
+      <p:nvGrpSpPr>
+        <p:cNvPr id="1" name=""/>
+        <p:cNvGrpSpPr/>
+        <p:nvPr/>
+      </p:nvGrpSpPr>
+      <p:grpSpPr>
+        <a:xfrm>
+          <a:off x="0" y="0"/>
+          <a:ext cx="0" cy="0"/>
+          <a:chOff x="0" y="0"/>
+          <a:chExt cx="0" cy="0"/>
+        </a:xfrm>
+      </p:grpSpPr>
+      <p:sp>
+        <p:nvSpPr>
+          <p:cNvPr id="2" name="Title 1"/>
+          <p:cNvSpPr>
+            <a:spLocks noGrp="1"/>
+          </p:cNvSpPr>
+          <p:nvPr>
+            <p:ph type="ctrTitle"/>
+          </p:nvPr>
+        </p:nvSpPr>
+        <p:spPr>
+          <a:xfrm>
+            <a:off x="1302462" y="3025490"/>
+            <a:ext cx="9587075" cy="807019"/>
+          </a:xfrm>
+        </p:spPr>
+        <p:txBody>
+          <a:bodyPr anchor="ctr">
+            <a:normAutofit fontScale="90000"/>
+          </a:bodyPr>
+          <a:lstStyle/>
+          <a:p>
+            <a:r>
+              <a:rPr lang="en-US" sz="4800" dirty="0"/>
+              <a:t>Discussion: Object-Oriented Programming </a:t>
+            </a:r>
+            <a:br>
+              <a:rPr lang="en-US" sz="4800" dirty="0"/>
+            </a:br>
+            <a:r>
+              <a:rPr lang="en-US" sz="4800" dirty="0"/>
+              <a:t>Concepts &amp; Practices</a:t>
+            </a:r>
+          </a:p>
+        </p:txBody>
+      </p:sp>
+    </p:spTree>
+    <p:extLst>
+      <p:ext uri="{BB962C8B-B14F-4D97-AF65-F5344CB8AC3E}">
+        <p14:creationId xmlns:p14="http://schemas.microsoft.com/office/powerpoint/2010/main" val="13933531"/>
+      </p:ext>
+    </p:extLst>
+  </p:cSld>
+  <p:clrMapOvr>
+    <a:masterClrMapping/>
+  </p:clrMapOvr>
+</p:sld>
+</file>
+
+<file path=ppt/slides/slide5.xml><?xml version="1.0" encoding="utf-8"?>
+<p:sld xmlns:a="http://schemas.openxmlformats.org/drawingml/2006/main" xmlns:r="http://schemas.openxmlformats.org/officeDocument/2006/relationships" xmlns:p="http://schemas.openxmlformats.org/presentationml/2006/main">
+  <p:cSld>
+    <p:spTree>
+      <p:nvGrpSpPr>
+        <p:cNvPr id="1" name=""/>
+        <p:cNvGrpSpPr/>
+        <p:nvPr/>
+      </p:nvGrpSpPr>
+      <p:grpSpPr>
+        <a:xfrm>
+          <a:off x="0" y="0"/>
+          <a:ext cx="0" cy="0"/>
+          <a:chOff x="0" y="0"/>
+          <a:chExt cx="0" cy="0"/>
+        </a:xfrm>
+      </p:grpSpPr>
+      <p:sp>
+        <p:nvSpPr>
+          <p:cNvPr id="2" name="Title 1"/>
+          <p:cNvSpPr>
+            <a:spLocks noGrp="1"/>
+          </p:cNvSpPr>
+          <p:nvPr>
+            <p:ph type="title"/>
+          </p:nvPr>
+        </p:nvSpPr>
+        <p:spPr>
+          <a:xfrm>
+            <a:off x="838200" y="365126"/>
+            <a:ext cx="10515600" cy="757272"/>
+          </a:xfrm>
+        </p:spPr>
+        <p:txBody>
+          <a:bodyPr>
+            <a:normAutofit/>
+          </a:bodyPr>
+          <a:lstStyle/>
+          <a:p>
+            <a:r>
+              <a:rPr lang="en-US" sz="3600" dirty="0"/>
+              <a:t>Topics</a:t>
+            </a:r>
+            <a:endParaRPr lang="en-US" sz="3600" b="1" i="1" u="sng" dirty="0"/>
+          </a:p>
+        </p:txBody>
+      </p:sp>
+      <p:sp>
+        <p:nvSpPr>
+          <p:cNvPr id="3" name="Content Placeholder 2"/>
+          <p:cNvSpPr>
+            <a:spLocks noGrp="1"/>
+          </p:cNvSpPr>
+          <p:nvPr>
+            <p:ph idx="1"/>
+          </p:nvPr>
+        </p:nvSpPr>
+        <p:spPr>
+          <a:xfrm>
+            <a:off x="838200" y="1159336"/>
+            <a:ext cx="10718950" cy="5463343"/>
+          </a:xfrm>
+        </p:spPr>
+        <p:txBody>
+          <a:bodyPr>
+            <a:normAutofit/>
+          </a:bodyPr>
+          <a:lstStyle/>
+          <a:p>
+            <a:pPr marL="457200" indent="-457200">
+              <a:buFont typeface="+mj-lt"/>
+              <a:buAutoNum type="arabicPeriod"/>
+            </a:pPr>
+            <a:r>
+              <a:rPr lang="en-US" sz="2000" dirty="0"/>
+              <a:t>Define object-oriented programming (OOP)</a:t>
+            </a:r>
+          </a:p>
+          <a:p>
+            <a:pPr marL="457200" indent="-457200">
+              <a:buFont typeface="+mj-lt"/>
+              <a:buAutoNum type="arabicPeriod"/>
+            </a:pPr>
+            <a:r>
+              <a:rPr lang="en-US" sz="2000" dirty="0"/>
+              <a:t>Review object-oriented languages, history, and adoption</a:t>
+            </a:r>
+          </a:p>
+          <a:p>
+            <a:pPr marL="457200" indent="-457200">
+              <a:buFont typeface="+mj-lt"/>
+              <a:buAutoNum type="arabicPeriod"/>
+            </a:pPr>
+            <a:r>
+              <a:rPr lang="en-US" sz="2000" dirty="0"/>
+              <a:t>Demonstrate object-oriented programming concepts</a:t>
+            </a:r>
+          </a:p>
+          <a:p>
+            <a:pPr marL="457200" indent="-457200">
+              <a:buFont typeface="+mj-lt"/>
+              <a:buAutoNum type="arabicPeriod"/>
+            </a:pPr>
+            <a:r>
+              <a:rPr lang="en-US" sz="2000" dirty="0"/>
+              <a:t>Distinguish between a class and an object</a:t>
+            </a:r>
+          </a:p>
+          <a:p>
+            <a:pPr marL="457200" indent="-457200">
+              <a:buFont typeface="+mj-lt"/>
+              <a:buAutoNum type="arabicPeriod"/>
+            </a:pPr>
+            <a:r>
+              <a:rPr lang="en-US" sz="2000" dirty="0"/>
+              <a:t>Identify the three primary (and several related) object-oriented concepts</a:t>
+            </a:r>
+          </a:p>
+          <a:p>
+            <a:pPr marL="457200" indent="-457200">
+              <a:buFont typeface="+mj-lt"/>
+              <a:buAutoNum type="arabicPeriod"/>
+            </a:pPr>
+            <a:r>
+              <a:rPr lang="en-US" sz="2000" dirty="0"/>
+              <a:t>Identify the superclass and the subclass in an inheritance relationship</a:t>
+            </a:r>
+          </a:p>
+          <a:p>
+            <a:pPr marL="457200" indent="-457200">
+              <a:buFont typeface="+mj-lt"/>
+              <a:buAutoNum type="arabicPeriod"/>
+            </a:pPr>
+            <a:r>
+              <a:rPr lang="en-US" sz="2000" dirty="0"/>
+              <a:t>Demonstrate inheritance, ownership, and abstraction with Java code</a:t>
+            </a:r>
+          </a:p>
+          <a:p>
+            <a:pPr marL="457200" indent="-457200">
+              <a:buFont typeface="+mj-lt"/>
+              <a:buAutoNum type="arabicPeriod"/>
+            </a:pPr>
+            <a:r>
+              <a:rPr lang="en-US" sz="2000" dirty="0"/>
+              <a:t>Distinguish between aggregation and composition</a:t>
+            </a:r>
+          </a:p>
+          <a:p>
+            <a:pPr marL="457200" indent="-457200">
+              <a:buFont typeface="+mj-lt"/>
+              <a:buAutoNum type="arabicPeriod"/>
+            </a:pPr>
+            <a:r>
+              <a:rPr lang="en-US" sz="2000" dirty="0"/>
+              <a:t>Recap</a:t>
+            </a:r>
+          </a:p>
+        </p:txBody>
+      </p:sp>
+    </p:spTree>
+    <p:extLst>
+      <p:ext uri="{BB962C8B-B14F-4D97-AF65-F5344CB8AC3E}">
+        <p14:creationId xmlns:p14="http://schemas.microsoft.com/office/powerpoint/2010/main" val="1072399538"/>
+      </p:ext>
+    </p:extLst>
+  </p:cSld>
+  <p:clrMapOvr>
+    <a:masterClrMapping/>
+  </p:clrMapOvr>
+  <mc:AlternateContent xmlns:mc="http://schemas.openxmlformats.org/markup-compatibility/2006" xmlns:p14="http://schemas.microsoft.com/office/powerpoint/2010/main">
+    <mc:Choice Requires="p14">
+      <p:transition spd="slow" p14:dur="2000" advTm="118914"/>
+    </mc:Choice>
+    <mc:Fallback xmlns="">
+      <p:transition spd="slow" advTm="118914"/>
+    </mc:Fallback>
+  </mc:AlternateContent>
+</p:sld>
+</file>
+
+<file path=ppt/slides/slide6.xml><?xml version="1.0" encoding="utf-8"?>
+<p:sld xmlns:a="http://schemas.openxmlformats.org/drawingml/2006/main" xmlns:r="http://schemas.openxmlformats.org/officeDocument/2006/relationships" xmlns:p="http://schemas.openxmlformats.org/presentationml/2006/main">
+  <p:cSld>
+    <p:spTree>
+      <p:nvGrpSpPr>
+        <p:cNvPr id="1" name=""/>
+        <p:cNvGrpSpPr/>
+        <p:nvPr/>
+      </p:nvGrpSpPr>
+      <p:grpSpPr>
+        <a:xfrm>
+          <a:off x="0" y="0"/>
+          <a:ext cx="0" cy="0"/>
+          <a:chOff x="0" y="0"/>
+          <a:chExt cx="0" cy="0"/>
+        </a:xfrm>
+      </p:grpSpPr>
+      <p:sp>
+        <p:nvSpPr>
+          <p:cNvPr id="2" name="Title 1"/>
+          <p:cNvSpPr>
+            <a:spLocks noGrp="1"/>
+          </p:cNvSpPr>
+          <p:nvPr>
+            <p:ph type="title"/>
+          </p:nvPr>
+        </p:nvSpPr>
+        <p:spPr>
+          <a:xfrm>
+            <a:off x="838200" y="365126"/>
+            <a:ext cx="10515600" cy="757272"/>
+          </a:xfrm>
+        </p:spPr>
+        <p:txBody>
+          <a:bodyPr>
+            <a:normAutofit/>
+          </a:bodyPr>
+          <a:lstStyle/>
+          <a:p>
+            <a:r>
+              <a:rPr lang="en-US" sz="3600" dirty="0"/>
+              <a:t>Identify the “Big Three” Object-Oriented Concepts</a:t>
+            </a:r>
+          </a:p>
+        </p:txBody>
+      </p:sp>
+      <p:sp>
+        <p:nvSpPr>
+          <p:cNvPr id="3" name="Content Placeholder 2"/>
+          <p:cNvSpPr>
+            <a:spLocks noGrp="1"/>
+          </p:cNvSpPr>
+          <p:nvPr>
+            <p:ph idx="1"/>
+          </p:nvPr>
+        </p:nvSpPr>
+        <p:spPr>
+          <a:xfrm>
+            <a:off x="838200" y="1458154"/>
+            <a:ext cx="10622974" cy="4567506"/>
+          </a:xfrm>
+        </p:spPr>
+        <p:txBody>
+          <a:bodyPr>
+            <a:noAutofit/>
+          </a:bodyPr>
+          <a:lstStyle/>
+          <a:p>
+            <a:pPr marL="457200" indent="-457200">
+              <a:spcBef>
+                <a:spcPts val="1800"/>
+              </a:spcBef>
+              <a:buFont typeface="+mj-lt"/>
+              <a:buAutoNum type="arabicPeriod"/>
+            </a:pPr>
+            <a:r>
+              <a:rPr lang="en-US" sz="2000" b="1" dirty="0"/>
+              <a:t>Encapsulation</a:t>
+            </a:r>
+            <a:r>
+              <a:rPr lang="en-US" sz="2000" dirty="0"/>
+              <a:t>… and Information Hiding </a:t>
+            </a:r>
+          </a:p>
+          <a:p>
+            <a:pPr marL="457200" indent="-457200">
+              <a:spcBef>
+                <a:spcPts val="1800"/>
+              </a:spcBef>
+              <a:buFont typeface="+mj-lt"/>
+              <a:buAutoNum type="arabicPeriod"/>
+            </a:pPr>
+            <a:r>
+              <a:rPr lang="en-US" sz="2000" b="1" dirty="0"/>
+              <a:t>Inheritance</a:t>
+            </a:r>
+            <a:r>
+              <a:rPr lang="en-US" sz="2000" dirty="0"/>
+              <a:t>… and Abstraction</a:t>
+            </a:r>
+          </a:p>
+          <a:p>
+            <a:pPr marL="457200" indent="-457200">
+              <a:spcBef>
+                <a:spcPts val="1800"/>
+              </a:spcBef>
+              <a:buFont typeface="+mj-lt"/>
+              <a:buAutoNum type="arabicPeriod"/>
+            </a:pPr>
+            <a:r>
+              <a:rPr lang="en-US" sz="2000" b="1" dirty="0"/>
+              <a:t>Polymorphism</a:t>
+            </a:r>
+          </a:p>
+          <a:p>
+            <a:pPr marL="0" indent="0">
+              <a:spcBef>
+                <a:spcPts val="1800"/>
+              </a:spcBef>
+              <a:buNone/>
+            </a:pPr>
+            <a:r>
+              <a:rPr lang="en-US" sz="2000" dirty="0"/>
+              <a:t>Plus… Composition &amp; Aggregation </a:t>
+            </a:r>
+          </a:p>
+        </p:txBody>
+      </p:sp>
+    </p:spTree>
+    <p:extLst>
+      <p:ext uri="{BB962C8B-B14F-4D97-AF65-F5344CB8AC3E}">
+        <p14:creationId xmlns:p14="http://schemas.microsoft.com/office/powerpoint/2010/main" val="2856114114"/>
+      </p:ext>
+    </p:extLst>
+  </p:cSld>
+  <p:clrMapOvr>
+    <a:masterClrMapping/>
+  </p:clrMapOvr>
+  <mc:AlternateContent xmlns:mc="http://schemas.openxmlformats.org/markup-compatibility/2006" xmlns:p14="http://schemas.microsoft.com/office/powerpoint/2010/main">
+    <mc:Choice Requires="p14">
+      <p:transition spd="slow" p14:dur="2000" advTm="158693"/>
+    </mc:Choice>
+    <mc:Fallback xmlns="">
+      <p:transition spd="slow" advTm="158693"/>
+    </mc:Fallback>
+  </mc:AlternateContent>
+</p:sld>
+</file>
+
+<file path=ppt/slides/slide7.xml><?xml version="1.0" encoding="utf-8"?>
+<p:sld xmlns:a="http://schemas.openxmlformats.org/drawingml/2006/main" xmlns:r="http://schemas.openxmlformats.org/officeDocument/2006/relationships" xmlns:p="http://schemas.openxmlformats.org/presentationml/2006/main">
+  <p:cSld>
+    <p:spTree>
+      <p:nvGrpSpPr>
+        <p:cNvPr id="1" name=""/>
+        <p:cNvGrpSpPr/>
+        <p:nvPr/>
+      </p:nvGrpSpPr>
+      <p:grpSpPr>
+        <a:xfrm>
+          <a:off x="0" y="0"/>
+          <a:ext cx="0" cy="0"/>
+          <a:chOff x="0" y="0"/>
+          <a:chExt cx="0" cy="0"/>
+        </a:xfrm>
+      </p:grpSpPr>
+      <p:sp>
+        <p:nvSpPr>
+          <p:cNvPr id="2" name="Title 1"/>
+          <p:cNvSpPr>
+            <a:spLocks noGrp="1"/>
+          </p:cNvSpPr>
+          <p:nvPr>
+            <p:ph type="ctrTitle"/>
+          </p:nvPr>
+        </p:nvSpPr>
+        <p:spPr>
+          <a:xfrm>
+            <a:off x="1524000" y="3025490"/>
+            <a:ext cx="9144000" cy="807019"/>
+          </a:xfrm>
+        </p:spPr>
+        <p:txBody>
+          <a:bodyPr anchor="ctr">
+            <a:normAutofit fontScale="90000"/>
+          </a:bodyPr>
+          <a:lstStyle/>
+          <a:p>
+            <a:r>
+              <a:rPr lang="en-US" sz="4800" dirty="0"/>
+              <a:t>Discussion: How to Be a </a:t>
+            </a:r>
+            <a:br>
+              <a:rPr lang="en-US" sz="4800" dirty="0"/>
+            </a:br>
+            <a:r>
+              <a:rPr lang="en-US" sz="4800" dirty="0"/>
+              <a:t>Successful Programmer</a:t>
+            </a:r>
+          </a:p>
+        </p:txBody>
+      </p:sp>
+    </p:spTree>
+    <p:extLst>
+      <p:ext uri="{BB962C8B-B14F-4D97-AF65-F5344CB8AC3E}">
+        <p14:creationId xmlns:p14="http://schemas.microsoft.com/office/powerpoint/2010/main" val="1480371957"/>
+      </p:ext>
+    </p:extLst>
+  </p:cSld>
+  <p:clrMapOvr>
+    <a:masterClrMapping/>
+  </p:clrMapOvr>
+</p:sld>
+</file>
+
+<file path=ppt/slides/slide8.xml><?xml version="1.0" encoding="utf-8"?>
+<p:sld xmlns:a="http://schemas.openxmlformats.org/drawingml/2006/main" xmlns:r="http://schemas.openxmlformats.org/officeDocument/2006/relationships" xmlns:p="http://schemas.openxmlformats.org/presentationml/2006/main">
+  <p:cSld>
+    <p:spTree>
+      <p:nvGrpSpPr>
+        <p:cNvPr id="1" name=""/>
+        <p:cNvGrpSpPr/>
+        <p:nvPr/>
+      </p:nvGrpSpPr>
+      <p:grpSpPr>
+        <a:xfrm>
+          <a:off x="0" y="0"/>
+          <a:ext cx="0" cy="0"/>
+          <a:chOff x="0" y="0"/>
+          <a:chExt cx="0" cy="0"/>
+        </a:xfrm>
+      </p:grpSpPr>
+      <p:sp>
+        <p:nvSpPr>
+          <p:cNvPr id="2" name="Title 1"/>
+          <p:cNvSpPr>
+            <a:spLocks noGrp="1"/>
+          </p:cNvSpPr>
+          <p:nvPr>
+            <p:ph type="ctrTitle"/>
+          </p:nvPr>
+        </p:nvSpPr>
+        <p:spPr>
+          <a:xfrm>
+            <a:off x="1524000" y="3025490"/>
+            <a:ext cx="9144000" cy="807019"/>
+          </a:xfrm>
+        </p:spPr>
+        <p:txBody>
+          <a:bodyPr anchor="ctr">
+            <a:normAutofit/>
+          </a:bodyPr>
+          <a:lstStyle/>
+          <a:p>
+            <a:r>
+              <a:rPr lang="en-US" sz="4800" dirty="0"/>
+              <a:t>Discussion: Scrum &amp; Scrum Roles</a:t>
+            </a:r>
+          </a:p>
+        </p:txBody>
+      </p:sp>
+    </p:spTree>
+    <p:extLst>
+      <p:ext uri="{BB962C8B-B14F-4D97-AF65-F5344CB8AC3E}">
+        <p14:creationId xmlns:p14="http://schemas.microsoft.com/office/powerpoint/2010/main" val="1866159572"/>
+      </p:ext>
+    </p:extLst>
+  </p:cSld>
+  <p:clrMapOvr>
+    <a:masterClrMapping/>
+  </p:clrMapOvr>
+</p:sld>
+</file>
+
+<file path=ppt/slides/slide9.xml><?xml version="1.0" encoding="utf-8"?>
+<p:sld xmlns:a="http://schemas.openxmlformats.org/drawingml/2006/main" xmlns:r="http://schemas.openxmlformats.org/officeDocument/2006/relationships" xmlns:p="http://schemas.openxmlformats.org/presentationml/2006/main">
+  <p:cSld>
+    <p:spTree>
+      <p:nvGrpSpPr>
+        <p:cNvPr id="1" name=""/>
+        <p:cNvGrpSpPr/>
+        <p:nvPr/>
+      </p:nvGrpSpPr>
+      <p:grpSpPr>
+        <a:xfrm>
+          <a:off x="0" y="0"/>
+          <a:ext cx="0" cy="0"/>
+          <a:chOff x="0" y="0"/>
+          <a:chExt cx="0" cy="0"/>
+        </a:xfrm>
+      </p:grpSpPr>
+      <p:sp>
+        <p:nvSpPr>
+          <p:cNvPr id="2" name="Title 1">
+            <a:extLst>
+              <a:ext uri="{FF2B5EF4-FFF2-40B4-BE49-F238E27FC236}">
+                <a16:creationId xmlns:a16="http://schemas.microsoft.com/office/drawing/2014/main" id="{9E08B5CA-B7E4-41A8-A034-C822BB8F7D63}"/>
+              </a:ext>
+            </a:extLst>
+          </p:cNvPr>
+          <p:cNvSpPr>
+            <a:spLocks noGrp="1"/>
+          </p:cNvSpPr>
+          <p:nvPr>
+            <p:ph type="title"/>
+          </p:nvPr>
+        </p:nvSpPr>
+        <p:spPr>
+          <a:xfrm>
+            <a:off x="838200" y="365125"/>
+            <a:ext cx="10515600" cy="1325563"/>
+          </a:xfrm>
+        </p:spPr>
+        <p:txBody>
+          <a:bodyPr/>
+          <a:lstStyle/>
+          <a:p>
+            <a:r>
+              <a:rPr lang="en-US" dirty="0"/>
+              <a:t>Scrum Roles </a:t>
+            </a:r>
+            <a:br>
+              <a:rPr lang="en-US" dirty="0"/>
+            </a:br>
+            <a:r>
+              <a:rPr lang="en-US" sz="3200" dirty="0"/>
+              <a:t>from Introduction to Scrum - 7 Minutes YouTube video </a:t>
+            </a:r>
+            <a:r>
+              <a:rPr lang="en-US" sz="3200" dirty="0">
+                <a:hlinkClick r:id="rId3"/>
+              </a:rPr>
+              <a:t>[link]</a:t>
+            </a:r>
+            <a:endParaRPr lang="en-US" sz="3200" dirty="0"/>
+          </a:p>
+        </p:txBody>
+      </p:sp>
+      <p:pic>
+        <p:nvPicPr>
+          <p:cNvPr id="4" name="Picture 3">
+            <a:extLst>
+              <a:ext uri="{FF2B5EF4-FFF2-40B4-BE49-F238E27FC236}">
+                <a16:creationId xmlns:a16="http://schemas.microsoft.com/office/drawing/2014/main" id="{443F4D2A-A464-486B-869D-13414E9D7409}"/>
+              </a:ext>
+            </a:extLst>
+          </p:cNvPr>
+          <p:cNvPicPr>
+            <a:picLocks noChangeAspect="1"/>
+          </p:cNvPicPr>
+          <p:nvPr/>
+        </p:nvPicPr>
+        <p:blipFill>
+          <a:blip r:embed="rId4"/>
+          <a:stretch>
+            <a:fillRect/>
+          </a:stretch>
+        </p:blipFill>
+        <p:spPr>
+          <a:xfrm>
+            <a:off x="1359293" y="1690688"/>
+            <a:ext cx="9473413" cy="5051002"/>
+          </a:xfrm>
+          <a:prstGeom prst="rect">
+            <a:avLst/>
+          </a:prstGeom>
+        </p:spPr>
+      </p:pic>
+    </p:spTree>
+    <p:extLst>
+      <p:ext uri="{BB962C8B-B14F-4D97-AF65-F5344CB8AC3E}">
+        <p14:creationId xmlns:p14="http://schemas.microsoft.com/office/powerpoint/2010/main" val="4190561906"/>
       </p:ext>
     </p:extLst>
   </p:cSld>
